--- a/정처산기 1조 화면설계/정처산기 1조 스토리보드.pptx
+++ b/정처산기 1조 화면설계/정처산기 1조 스토리보드.pptx
@@ -5,7 +5,7 @@
     <p:sldMasterId id="2147483672" r:id="rId1"/>
   </p:sldMasterIdLst>
   <p:notesMasterIdLst>
-    <p:notesMasterId r:id="rId23"/>
+    <p:notesMasterId r:id="rId24"/>
   </p:notesMasterIdLst>
   <p:sldIdLst>
     <p:sldId id="256" r:id="rId2"/>
@@ -21,14 +21,15 @@
     <p:sldId id="263" r:id="rId12"/>
     <p:sldId id="264" r:id="rId13"/>
     <p:sldId id="276" r:id="rId14"/>
-    <p:sldId id="277" r:id="rId15"/>
-    <p:sldId id="266" r:id="rId16"/>
-    <p:sldId id="267" r:id="rId17"/>
-    <p:sldId id="268" r:id="rId18"/>
-    <p:sldId id="285" r:id="rId19"/>
-    <p:sldId id="286" r:id="rId20"/>
-    <p:sldId id="287" r:id="rId21"/>
-    <p:sldId id="288" r:id="rId22"/>
+    <p:sldId id="289" r:id="rId15"/>
+    <p:sldId id="290" r:id="rId16"/>
+    <p:sldId id="266" r:id="rId17"/>
+    <p:sldId id="267" r:id="rId18"/>
+    <p:sldId id="268" r:id="rId19"/>
+    <p:sldId id="285" r:id="rId20"/>
+    <p:sldId id="286" r:id="rId21"/>
+    <p:sldId id="287" r:id="rId22"/>
+    <p:sldId id="288" r:id="rId23"/>
   </p:sldIdLst>
   <p:sldSz cx="18288000" cy="10287000"/>
   <p:notesSz cx="6858000" cy="9144000"/>
@@ -596,7 +597,7 @@
               <a:pPr lvl="0">
                 <a:defRPr/>
               </a:pPr>
-              <a:t>18</a:t>
+              <a:t>19</a:t>
             </a:fld>
             <a:endParaRPr lang="en-US"/>
           </a:p>
@@ -684,7 +685,7 @@
               <a:pPr lvl="0">
                 <a:defRPr/>
               </a:pPr>
-              <a:t>19</a:t>
+              <a:t>20</a:t>
             </a:fld>
             <a:endParaRPr lang="en-US"/>
           </a:p>
@@ -772,7 +773,7 @@
               <a:pPr lvl="0">
                 <a:defRPr/>
               </a:pPr>
-              <a:t>20</a:t>
+              <a:t>21</a:t>
             </a:fld>
             <a:endParaRPr lang="en-US"/>
           </a:p>
@@ -860,7 +861,7 @@
               <a:pPr lvl="0">
                 <a:defRPr/>
               </a:pPr>
-              <a:t>21</a:t>
+              <a:t>22</a:t>
             </a:fld>
             <a:endParaRPr lang="en-US"/>
           </a:p>
@@ -4175,7 +4176,7 @@
     <mc:Choice Requires="p14">
       <p:transition/>
     </mc:Choice>
-    <mc:Fallback xmlns="" xmlns:c="http://schemas.openxmlformats.org/drawingml/2006/chart" xmlns:dgm="http://schemas.openxmlformats.org/drawingml/2006/diagram" xmlns:dsp="http://schemas.microsoft.com/office/drawing/2008/diagram">
+    <mc:Fallback xmlns:dsp="http://schemas.microsoft.com/office/drawing/2008/diagram" xmlns:dgm="http://schemas.openxmlformats.org/drawingml/2006/diagram" xmlns:c="http://schemas.openxmlformats.org/drawingml/2006/chart" xmlns="">
       <p:transition/>
     </mc:Fallback>
   </mc:AlternateContent>
@@ -4366,7 +4367,7 @@
     <mc:Choice Requires="p14">
       <p:transition/>
     </mc:Choice>
-    <mc:Fallback xmlns="" xmlns:c="http://schemas.openxmlformats.org/drawingml/2006/chart" xmlns:dgm="http://schemas.openxmlformats.org/drawingml/2006/diagram" xmlns:dsp="http://schemas.microsoft.com/office/drawing/2008/diagram">
+    <mc:Fallback xmlns:dsp="http://schemas.microsoft.com/office/drawing/2008/diagram" xmlns:dgm="http://schemas.openxmlformats.org/drawingml/2006/diagram" xmlns:c="http://schemas.openxmlformats.org/drawingml/2006/chart" xmlns="">
       <p:transition/>
     </mc:Fallback>
   </mc:AlternateContent>
@@ -4583,7 +4584,7 @@
     <mc:Choice Requires="p14">
       <p:transition/>
     </mc:Choice>
-    <mc:Fallback xmlns="" xmlns:c="http://schemas.openxmlformats.org/drawingml/2006/chart" xmlns:dgm="http://schemas.openxmlformats.org/drawingml/2006/diagram" xmlns:dsp="http://schemas.microsoft.com/office/drawing/2008/diagram">
+    <mc:Fallback xmlns:dsp="http://schemas.microsoft.com/office/drawing/2008/diagram" xmlns:dgm="http://schemas.openxmlformats.org/drawingml/2006/diagram" xmlns:c="http://schemas.openxmlformats.org/drawingml/2006/chart" xmlns="">
       <p:transition/>
     </mc:Fallback>
   </mc:AlternateContent>
@@ -4778,7 +4779,7 @@
     <mc:Choice Requires="p14">
       <p:transition/>
     </mc:Choice>
-    <mc:Fallback xmlns="" xmlns:c="http://schemas.openxmlformats.org/drawingml/2006/chart" xmlns:dgm="http://schemas.openxmlformats.org/drawingml/2006/diagram" xmlns:dsp="http://schemas.microsoft.com/office/drawing/2008/diagram">
+    <mc:Fallback xmlns:dsp="http://schemas.microsoft.com/office/drawing/2008/diagram" xmlns:dgm="http://schemas.openxmlformats.org/drawingml/2006/diagram" xmlns:c="http://schemas.openxmlformats.org/drawingml/2006/chart" xmlns="">
       <p:transition/>
     </mc:Fallback>
   </mc:AlternateContent>
@@ -4901,7 +4902,7 @@
               <a:defRPr/>
             </a:pPr>
             <a:r>
-              <a:rPr lang="en-US" altLang="ko-KR" sz="7000" b="1" spc="-219">
+              <a:rPr lang="en-US" altLang="ko-KR" sz="7000" b="1" spc="-219" dirty="0">
                 <a:solidFill>
                   <a:srgbClr val="29C3FF"/>
                 </a:solidFill>
@@ -4913,7 +4914,7 @@
               <a:t>8-1.</a:t>
             </a:r>
             <a:r>
-              <a:rPr lang="ko-KR" altLang="en-US" sz="7000" b="1" spc="-219">
+              <a:rPr lang="ko-KR" altLang="en-US" sz="7000" b="1" spc="-219" dirty="0">
                 <a:solidFill>
                   <a:srgbClr val="29C3FF"/>
                 </a:solidFill>
@@ -4925,7 +4926,7 @@
               <a:t> </a:t>
             </a:r>
             <a:r>
-              <a:rPr lang="en-US" sz="7000" b="1" spc="-219">
+              <a:rPr lang="en-US" sz="7000" b="1" spc="-219" dirty="0">
                 <a:solidFill>
                   <a:srgbClr val="29C3FF"/>
                 </a:solidFill>
@@ -4937,7 +4938,7 @@
               <a:t>Flow chart</a:t>
             </a:r>
             <a:r>
-              <a:rPr lang="ko-KR" altLang="en-US" sz="7000" b="1" spc="-219">
+              <a:rPr lang="ko-KR" altLang="en-US" sz="7000" b="1" spc="-219" dirty="0">
                 <a:solidFill>
                   <a:srgbClr val="29C3FF"/>
                 </a:solidFill>
@@ -4948,8 +4949,103 @@
               </a:rPr>
               <a:t> </a:t>
             </a:r>
-            <a:r>
-              <a:rPr lang="en-US" altLang="ko-KR" sz="5000" b="1" spc="-219">
+            <a:endParaRPr lang="ko-KR" altLang="en-US" sz="4000" b="1" spc="-219" dirty="0">
+              <a:solidFill>
+                <a:srgbClr val="0C7DFF"/>
+              </a:solidFill>
+              <a:latin typeface="210 도시락"/>
+              <a:ea typeface="210 도시락"/>
+              <a:cs typeface="210 도시락"/>
+              <a:sym typeface="210 도시락"/>
+            </a:endParaRPr>
+          </a:p>
+        </p:txBody>
+      </p:sp>
+      <p:pic>
+        <p:nvPicPr>
+          <p:cNvPr id="1026" name="Picture 2">
+            <a:extLst>
+              <a:ext uri="{FF2B5EF4-FFF2-40B4-BE49-F238E27FC236}">
+                <a16:creationId xmlns:a16="http://schemas.microsoft.com/office/drawing/2014/main" id="{4AF16CD9-BB31-4B20-948B-EBDC053A8703}"/>
+              </a:ext>
+            </a:extLst>
+          </p:cNvPr>
+          <p:cNvPicPr>
+            <a:picLocks noChangeAspect="1" noChangeArrowheads="1"/>
+          </p:cNvPicPr>
+          <p:nvPr/>
+        </p:nvPicPr>
+        <p:blipFill>
+          <a:blip r:embed="rId2" cstate="print">
+            <a:extLst>
+              <a:ext uri="{28A0092B-C50C-407E-A947-70E740481C1C}">
+                <a14:useLocalDpi xmlns:a14="http://schemas.microsoft.com/office/drawing/2010/main" val="0"/>
+              </a:ext>
+            </a:extLst>
+          </a:blip>
+          <a:srcRect/>
+          <a:stretch>
+            <a:fillRect/>
+          </a:stretch>
+        </p:blipFill>
+        <p:spPr bwMode="auto">
+          <a:xfrm>
+            <a:off x="8453438" y="800100"/>
+            <a:ext cx="6631729" cy="8686800"/>
+          </a:xfrm>
+          <a:prstGeom prst="rect">
+            <a:avLst/>
+          </a:prstGeom>
+          <a:noFill/>
+          <a:extLst>
+            <a:ext uri="{909E8E84-426E-40DD-AFC4-6F175D3DCCD1}">
+              <a14:hiddenFill xmlns:a14="http://schemas.microsoft.com/office/drawing/2010/main">
+                <a:solidFill>
+                  <a:srgbClr val="FFFFFF"/>
+                </a:solidFill>
+              </a14:hiddenFill>
+            </a:ext>
+          </a:extLst>
+        </p:spPr>
+      </p:pic>
+      <p:sp>
+        <p:nvSpPr>
+          <p:cNvPr id="7" name="TextBox 9">
+            <a:extLst>
+              <a:ext uri="{FF2B5EF4-FFF2-40B4-BE49-F238E27FC236}">
+                <a16:creationId xmlns:a16="http://schemas.microsoft.com/office/drawing/2014/main" id="{C0777913-FBFA-4E5D-B12A-E4AEA8E38584}"/>
+              </a:ext>
+            </a:extLst>
+          </p:cNvPr>
+          <p:cNvSpPr txBox="1"/>
+          <p:nvPr/>
+        </p:nvSpPr>
+        <p:spPr>
+          <a:xfrm>
+            <a:off x="3429000" y="4402848"/>
+            <a:ext cx="3958924" cy="740652"/>
+          </a:xfrm>
+          <a:prstGeom prst="rect">
+            <a:avLst/>
+          </a:prstGeom>
+        </p:spPr>
+        <p:txBody>
+          <a:bodyPr wrap="square" lIns="0" tIns="0" rIns="0" bIns="0" anchor="t" anchorCtr="0">
+            <a:spAutoFit/>
+          </a:bodyPr>
+          <a:lstStyle/>
+          <a:p>
+            <a:pPr algn="l">
+              <a:lnSpc>
+                <a:spcPct val="150000"/>
+              </a:lnSpc>
+              <a:spcBef>
+                <a:spcPct val="0"/>
+              </a:spcBef>
+              <a:defRPr/>
+            </a:pPr>
+            <a:r>
+              <a:rPr lang="ko-KR" altLang="en-US" sz="3600" b="1" spc="-219" dirty="0">
                 <a:solidFill>
                   <a:srgbClr val="0C7DFF"/>
                 </a:solidFill>
@@ -4958,49 +5054,11 @@
                 <a:cs typeface="210 도시락"/>
                 <a:sym typeface="210 도시락"/>
               </a:rPr>
-              <a:t>_</a:t>
-            </a:r>
-            <a:r>
-              <a:rPr lang="ko-KR" altLang="en-US" sz="4000" b="1" spc="-219">
-                <a:solidFill>
-                  <a:srgbClr val="0C7DFF"/>
-                </a:solidFill>
-                <a:latin typeface="210 도시락"/>
-                <a:ea typeface="210 도시락"/>
-                <a:cs typeface="210 도시락"/>
-                <a:sym typeface="210 도시락"/>
-              </a:rPr>
-              <a:t>전문가</a:t>
+              <a:t>프로젝트 만들기</a:t>
             </a:r>
           </a:p>
         </p:txBody>
       </p:sp>
-      <p:pic>
-        <p:nvPicPr>
-          <p:cNvPr id="2050" name="Picture 2"/>
-          <p:cNvPicPr>
-            <a:picLocks noChangeAspect="1" noChangeArrowheads="1"/>
-          </p:cNvPicPr>
-          <p:nvPr/>
-        </p:nvPicPr>
-        <p:blipFill rotWithShape="1">
-          <a:blip r:embed="rId2"/>
-          <a:srcRect/>
-          <a:stretch>
-            <a:fillRect/>
-          </a:stretch>
-        </p:blipFill>
-        <p:spPr>
-          <a:xfrm>
-            <a:off x="1443039" y="2171700"/>
-            <a:ext cx="16243160" cy="6019800"/>
-          </a:xfrm>
-          <a:prstGeom prst="rect">
-            <a:avLst/>
-          </a:prstGeom>
-          <a:noFill/>
-        </p:spPr>
-      </p:pic>
     </p:spTree>
   </p:cSld>
   <p:clrMapOvr>
@@ -5010,7 +5068,7 @@
     <mc:Choice Requires="p14">
       <p:transition/>
     </mc:Choice>
-    <mc:Fallback xmlns="" xmlns:c="http://schemas.openxmlformats.org/drawingml/2006/chart" xmlns:dgm="http://schemas.openxmlformats.org/drawingml/2006/diagram" xmlns:dsp="http://schemas.microsoft.com/office/drawing/2008/diagram">
+    <mc:Fallback xmlns:dsp="http://schemas.microsoft.com/office/drawing/2008/diagram" xmlns:dgm="http://schemas.openxmlformats.org/drawingml/2006/diagram" xmlns:c="http://schemas.openxmlformats.org/drawingml/2006/chart" xmlns="">
       <p:transition/>
     </mc:Fallback>
   </mc:AlternateContent>
@@ -5118,7 +5176,7 @@
           </a:prstGeom>
         </p:spPr>
         <p:txBody>
-          <a:bodyPr lIns="0" tIns="0" rIns="0" bIns="0" anchor="t">
+          <a:bodyPr lIns="0" tIns="0" rIns="0" bIns="0" anchor="t" anchorCtr="0">
             <a:spAutoFit/>
           </a:bodyPr>
           <a:lstStyle/>
@@ -5133,7 +5191,7 @@
               <a:defRPr/>
             </a:pPr>
             <a:r>
-              <a:rPr lang="en-US" altLang="ko-KR" sz="7000" b="1" spc="-219">
+              <a:rPr lang="en-US" altLang="ko-KR" sz="7000" b="1" spc="-219" dirty="0">
                 <a:solidFill>
                   <a:srgbClr val="29C3FF"/>
                 </a:solidFill>
@@ -5145,7 +5203,7 @@
               <a:t>8-2.</a:t>
             </a:r>
             <a:r>
-              <a:rPr lang="ko-KR" altLang="en-US" sz="7000" b="1" spc="-219">
+              <a:rPr lang="ko-KR" altLang="en-US" sz="7000" b="1" spc="-219" dirty="0">
                 <a:solidFill>
                   <a:srgbClr val="29C3FF"/>
                 </a:solidFill>
@@ -5157,7 +5215,7 @@
               <a:t> </a:t>
             </a:r>
             <a:r>
-              <a:rPr lang="en-US" sz="7000" b="1" spc="-219">
+              <a:rPr lang="en-US" sz="7000" b="1" spc="-219" dirty="0">
                 <a:solidFill>
                   <a:srgbClr val="29C3FF"/>
                 </a:solidFill>
@@ -5169,7 +5227,7 @@
               <a:t>Flow chart</a:t>
             </a:r>
             <a:r>
-              <a:rPr lang="ko-KR" altLang="en-US" sz="7000" b="1" spc="-219">
+              <a:rPr lang="ko-KR" altLang="en-US" sz="7000" b="1" spc="-219" dirty="0">
                 <a:solidFill>
                   <a:srgbClr val="29C3FF"/>
                 </a:solidFill>
@@ -5180,8 +5238,56 @@
               </a:rPr>
               <a:t> </a:t>
             </a:r>
-            <a:r>
-              <a:rPr lang="en-US" altLang="ko-KR" sz="4500" b="1" spc="-219">
+            <a:endParaRPr lang="ko-KR" altLang="en-US" sz="4000" b="1" spc="-219" dirty="0">
+              <a:solidFill>
+                <a:srgbClr val="0C7DFF"/>
+              </a:solidFill>
+              <a:latin typeface="210 도시락"/>
+              <a:ea typeface="210 도시락"/>
+              <a:cs typeface="210 도시락"/>
+              <a:sym typeface="210 도시락"/>
+            </a:endParaRPr>
+          </a:p>
+        </p:txBody>
+      </p:sp>
+      <p:sp>
+        <p:nvSpPr>
+          <p:cNvPr id="7" name="TextBox 9">
+            <a:extLst>
+              <a:ext uri="{FF2B5EF4-FFF2-40B4-BE49-F238E27FC236}">
+                <a16:creationId xmlns:a16="http://schemas.microsoft.com/office/drawing/2014/main" id="{C0777913-FBFA-4E5D-B12A-E4AEA8E38584}"/>
+              </a:ext>
+            </a:extLst>
+          </p:cNvPr>
+          <p:cNvSpPr txBox="1"/>
+          <p:nvPr/>
+        </p:nvSpPr>
+        <p:spPr>
+          <a:xfrm>
+            <a:off x="3733800" y="4000500"/>
+            <a:ext cx="3958924" cy="740652"/>
+          </a:xfrm>
+          <a:prstGeom prst="rect">
+            <a:avLst/>
+          </a:prstGeom>
+        </p:spPr>
+        <p:txBody>
+          <a:bodyPr wrap="square" lIns="0" tIns="0" rIns="0" bIns="0" anchor="t" anchorCtr="0">
+            <a:spAutoFit/>
+          </a:bodyPr>
+          <a:lstStyle/>
+          <a:p>
+            <a:pPr algn="l">
+              <a:lnSpc>
+                <a:spcPct val="150000"/>
+              </a:lnSpc>
+              <a:spcBef>
+                <a:spcPct val="0"/>
+              </a:spcBef>
+              <a:defRPr/>
+            </a:pPr>
+            <a:r>
+              <a:rPr lang="ko-KR" altLang="en-US" sz="3600" b="1" spc="-219" dirty="0" err="1">
                 <a:solidFill>
                   <a:srgbClr val="0C7DFF"/>
                 </a:solidFill>
@@ -5190,10 +5296,10 @@
                 <a:cs typeface="210 도시락"/>
                 <a:sym typeface="210 도시락"/>
               </a:rPr>
-              <a:t>_</a:t>
-            </a:r>
-            <a:r>
-              <a:rPr lang="ko-KR" altLang="en-US" sz="4500" b="1" spc="-219">
+              <a:t>펀딩</a:t>
+            </a:r>
+            <a:r>
+              <a:rPr lang="ko-KR" altLang="en-US" sz="3600" b="1" spc="-219" dirty="0">
                 <a:solidFill>
                   <a:srgbClr val="0C7DFF"/>
                 </a:solidFill>
@@ -5202,38 +5308,88 @@
                 <a:cs typeface="210 도시락"/>
                 <a:sym typeface="210 도시락"/>
               </a:rPr>
-              <a:t>후원자</a:t>
+              <a:t> </a:t>
+            </a:r>
+            <a:r>
+              <a:rPr lang="en-US" altLang="ko-KR" sz="3600" b="1" spc="-219" dirty="0">
+                <a:solidFill>
+                  <a:srgbClr val="0C7DFF"/>
+                </a:solidFill>
+                <a:latin typeface="210 도시락"/>
+                <a:ea typeface="210 도시락"/>
+                <a:cs typeface="210 도시락"/>
+                <a:sym typeface="210 도시락"/>
+              </a:rPr>
+              <a:t>/</a:t>
+            </a:r>
+            <a:r>
+              <a:rPr lang="ko-KR" altLang="en-US" sz="3600" b="1" spc="-219" dirty="0">
+                <a:solidFill>
+                  <a:srgbClr val="0C7DFF"/>
+                </a:solidFill>
+                <a:latin typeface="210 도시락"/>
+                <a:ea typeface="210 도시락"/>
+                <a:cs typeface="210 도시락"/>
+                <a:sym typeface="210 도시락"/>
+              </a:rPr>
+              <a:t>후원 </a:t>
             </a:r>
           </a:p>
         </p:txBody>
       </p:sp>
       <p:pic>
         <p:nvPicPr>
-          <p:cNvPr id="1026" name="Picture 2"/>
+          <p:cNvPr id="2050" name="Picture 2">
+            <a:extLst>
+              <a:ext uri="{FF2B5EF4-FFF2-40B4-BE49-F238E27FC236}">
+                <a16:creationId xmlns:a16="http://schemas.microsoft.com/office/drawing/2014/main" id="{82D58A5E-8D7F-4F35-B8A5-5A9EBE30DFE9}"/>
+              </a:ext>
+            </a:extLst>
+          </p:cNvPr>
           <p:cNvPicPr>
             <a:picLocks noChangeAspect="1" noChangeArrowheads="1"/>
           </p:cNvPicPr>
           <p:nvPr/>
         </p:nvPicPr>
-        <p:blipFill rotWithShape="1">
-          <a:blip r:embed="rId2"/>
+        <p:blipFill>
+          <a:blip r:embed="rId2" cstate="print">
+            <a:extLst>
+              <a:ext uri="{28A0092B-C50C-407E-A947-70E740481C1C}">
+                <a14:useLocalDpi xmlns:a14="http://schemas.microsoft.com/office/drawing/2010/main" val="0"/>
+              </a:ext>
+            </a:extLst>
+          </a:blip>
           <a:srcRect/>
           <a:stretch>
             <a:fillRect/>
           </a:stretch>
         </p:blipFill>
-        <p:spPr>
-          <a:xfrm>
-            <a:off x="1300404" y="2095500"/>
-            <a:ext cx="15687191" cy="7211647"/>
+        <p:spPr bwMode="auto">
+          <a:xfrm>
+            <a:off x="8229600" y="662552"/>
+            <a:ext cx="5711825" cy="8961895"/>
           </a:xfrm>
           <a:prstGeom prst="rect">
             <a:avLst/>
           </a:prstGeom>
           <a:noFill/>
+          <a:extLst>
+            <a:ext uri="{909E8E84-426E-40DD-AFC4-6F175D3DCCD1}">
+              <a14:hiddenFill xmlns:a14="http://schemas.microsoft.com/office/drawing/2010/main">
+                <a:solidFill>
+                  <a:srgbClr val="FFFFFF"/>
+                </a:solidFill>
+              </a14:hiddenFill>
+            </a:ext>
+          </a:extLst>
         </p:spPr>
       </p:pic>
     </p:spTree>
+    <p:extLst>
+      <p:ext uri="{BB962C8B-B14F-4D97-AF65-F5344CB8AC3E}">
+        <p14:creationId xmlns:p14="http://schemas.microsoft.com/office/powerpoint/2010/main" val="2070101459"/>
+      </p:ext>
+    </p:extLst>
   </p:cSld>
   <p:clrMapOvr>
     <a:masterClrMapping/>
@@ -5242,7 +5398,7 @@
     <mc:Choice Requires="p14">
       <p:transition/>
     </mc:Choice>
-    <mc:Fallback xmlns="" xmlns:c="http://schemas.openxmlformats.org/drawingml/2006/chart" xmlns:dgm="http://schemas.openxmlformats.org/drawingml/2006/diagram" xmlns:dsp="http://schemas.microsoft.com/office/drawing/2008/diagram">
+    <mc:Fallback xmlns:dsp="http://schemas.microsoft.com/office/drawing/2008/diagram" xmlns:dgm="http://schemas.openxmlformats.org/drawingml/2006/diagram" xmlns:c="http://schemas.openxmlformats.org/drawingml/2006/chart" xmlns="">
       <p:transition/>
     </mc:Fallback>
   </mc:AlternateContent>
@@ -5250,6 +5406,300 @@
 </file>
 
 <file path=ppt/slides/slide15.xml><?xml version="1.0" encoding="utf-8"?>
+<p:sld xmlns:a="http://schemas.openxmlformats.org/drawingml/2006/main" xmlns:r="http://schemas.openxmlformats.org/officeDocument/2006/relationships" xmlns:p="http://schemas.openxmlformats.org/presentationml/2006/main">
+  <p:cSld>
+    <p:spTree>
+      <p:nvGrpSpPr>
+        <p:cNvPr id="1" name=""/>
+        <p:cNvGrpSpPr/>
+        <p:nvPr/>
+      </p:nvGrpSpPr>
+      <p:grpSpPr>
+        <a:xfrm>
+          <a:off x="0" y="0"/>
+          <a:ext cx="0" cy="0"/>
+          <a:chOff x="0" y="0"/>
+          <a:chExt cx="0" cy="0"/>
+        </a:xfrm>
+      </p:grpSpPr>
+      <p:sp>
+        <p:nvSpPr>
+          <p:cNvPr id="2" name="AutoShape 2"/>
+          <p:cNvSpPr/>
+          <p:nvPr/>
+        </p:nvSpPr>
+        <p:spPr>
+          <a:xfrm flipV="1">
+            <a:off x="1028700" y="0"/>
+            <a:ext cx="4762" cy="10287000"/>
+          </a:xfrm>
+          <a:prstGeom prst="line">
+            <a:avLst/>
+          </a:prstGeom>
+          <a:ln w="9525" cap="flat">
+            <a:solidFill>
+              <a:srgbClr val="29C3FF"/>
+            </a:solidFill>
+            <a:prstDash val="solid"/>
+            <a:headEnd w="sm" len="sm"/>
+            <a:tailEnd w="sm" len="sm"/>
+          </a:ln>
+        </p:spPr>
+        <p:txBody>
+          <a:bodyPr wrap="square"/>
+          <a:lstStyle/>
+          <a:p>
+            <a:pPr lvl="0">
+              <a:defRPr/>
+            </a:pPr>
+            <a:endParaRPr lang="ko-KR" altLang="en-US"/>
+          </a:p>
+        </p:txBody>
+      </p:sp>
+      <p:sp>
+        <p:nvSpPr>
+          <p:cNvPr id="3" name="AutoShape 3"/>
+          <p:cNvSpPr/>
+          <p:nvPr/>
+        </p:nvSpPr>
+        <p:spPr>
+          <a:xfrm flipV="1">
+            <a:off x="1086524" y="0"/>
+            <a:ext cx="4762" cy="10287000"/>
+          </a:xfrm>
+          <a:prstGeom prst="line">
+            <a:avLst/>
+          </a:prstGeom>
+          <a:ln w="9525" cap="flat">
+            <a:solidFill>
+              <a:srgbClr val="29C3FF"/>
+            </a:solidFill>
+            <a:prstDash val="solid"/>
+            <a:headEnd w="sm" len="sm"/>
+            <a:tailEnd w="sm" len="sm"/>
+          </a:ln>
+        </p:spPr>
+        <p:txBody>
+          <a:bodyPr wrap="square"/>
+          <a:lstStyle/>
+          <a:p>
+            <a:pPr lvl="0">
+              <a:defRPr/>
+            </a:pPr>
+            <a:endParaRPr lang="ko-KR" altLang="en-US"/>
+          </a:p>
+        </p:txBody>
+      </p:sp>
+      <p:sp>
+        <p:nvSpPr>
+          <p:cNvPr id="9" name="TextBox 9"/>
+          <p:cNvSpPr txBox="1"/>
+          <p:nvPr/>
+        </p:nvSpPr>
+        <p:spPr>
+          <a:xfrm>
+            <a:off x="2610270" y="190500"/>
+            <a:ext cx="11681086" cy="1448858"/>
+          </a:xfrm>
+          <a:prstGeom prst="rect">
+            <a:avLst/>
+          </a:prstGeom>
+        </p:spPr>
+        <p:txBody>
+          <a:bodyPr lIns="0" tIns="0" rIns="0" bIns="0" anchor="t" anchorCtr="0">
+            <a:spAutoFit/>
+          </a:bodyPr>
+          <a:lstStyle/>
+          <a:p>
+            <a:pPr algn="l">
+              <a:lnSpc>
+                <a:spcPct val="150000"/>
+              </a:lnSpc>
+              <a:spcBef>
+                <a:spcPct val="0"/>
+              </a:spcBef>
+              <a:defRPr/>
+            </a:pPr>
+            <a:r>
+              <a:rPr lang="en-US" altLang="ko-KR" sz="7000" b="1" spc="-219" dirty="0">
+                <a:solidFill>
+                  <a:srgbClr val="29C3FF"/>
+                </a:solidFill>
+                <a:latin typeface="210 도시락"/>
+                <a:ea typeface="210 도시락"/>
+                <a:cs typeface="210 도시락"/>
+                <a:sym typeface="210 도시락"/>
+              </a:rPr>
+              <a:t>8-3.</a:t>
+            </a:r>
+            <a:r>
+              <a:rPr lang="ko-KR" altLang="en-US" sz="7000" b="1" spc="-219" dirty="0">
+                <a:solidFill>
+                  <a:srgbClr val="29C3FF"/>
+                </a:solidFill>
+                <a:latin typeface="210 도시락"/>
+                <a:ea typeface="210 도시락"/>
+                <a:cs typeface="210 도시락"/>
+                <a:sym typeface="210 도시락"/>
+              </a:rPr>
+              <a:t> </a:t>
+            </a:r>
+            <a:r>
+              <a:rPr lang="en-US" sz="7000" b="1" spc="-219" dirty="0">
+                <a:solidFill>
+                  <a:srgbClr val="29C3FF"/>
+                </a:solidFill>
+                <a:latin typeface="210 도시락"/>
+                <a:ea typeface="210 도시락"/>
+                <a:cs typeface="210 도시락"/>
+                <a:sym typeface="210 도시락"/>
+              </a:rPr>
+              <a:t>Flow chart</a:t>
+            </a:r>
+            <a:r>
+              <a:rPr lang="ko-KR" altLang="en-US" sz="7000" b="1" spc="-219" dirty="0">
+                <a:solidFill>
+                  <a:srgbClr val="29C3FF"/>
+                </a:solidFill>
+                <a:latin typeface="210 도시락"/>
+                <a:ea typeface="210 도시락"/>
+                <a:cs typeface="210 도시락"/>
+                <a:sym typeface="210 도시락"/>
+              </a:rPr>
+              <a:t> </a:t>
+            </a:r>
+            <a:endParaRPr lang="ko-KR" altLang="en-US" sz="4000" b="1" spc="-219" dirty="0">
+              <a:solidFill>
+                <a:srgbClr val="0C7DFF"/>
+              </a:solidFill>
+              <a:latin typeface="210 도시락"/>
+              <a:ea typeface="210 도시락"/>
+              <a:cs typeface="210 도시락"/>
+              <a:sym typeface="210 도시락"/>
+            </a:endParaRPr>
+          </a:p>
+        </p:txBody>
+      </p:sp>
+      <p:sp>
+        <p:nvSpPr>
+          <p:cNvPr id="7" name="TextBox 9">
+            <a:extLst>
+              <a:ext uri="{FF2B5EF4-FFF2-40B4-BE49-F238E27FC236}">
+                <a16:creationId xmlns:a16="http://schemas.microsoft.com/office/drawing/2014/main" id="{C0777913-FBFA-4E5D-B12A-E4AEA8E38584}"/>
+              </a:ext>
+            </a:extLst>
+          </p:cNvPr>
+          <p:cNvSpPr txBox="1"/>
+          <p:nvPr/>
+        </p:nvSpPr>
+        <p:spPr>
+          <a:xfrm>
+            <a:off x="4042076" y="4152900"/>
+            <a:ext cx="3958924" cy="740652"/>
+          </a:xfrm>
+          <a:prstGeom prst="rect">
+            <a:avLst/>
+          </a:prstGeom>
+        </p:spPr>
+        <p:txBody>
+          <a:bodyPr wrap="square" lIns="0" tIns="0" rIns="0" bIns="0" anchor="t" anchorCtr="0">
+            <a:spAutoFit/>
+          </a:bodyPr>
+          <a:lstStyle/>
+          <a:p>
+            <a:pPr algn="l">
+              <a:lnSpc>
+                <a:spcPct val="150000"/>
+              </a:lnSpc>
+              <a:spcBef>
+                <a:spcPct val="0"/>
+              </a:spcBef>
+              <a:defRPr/>
+            </a:pPr>
+            <a:r>
+              <a:rPr lang="ko-KR" altLang="en-US" sz="3600" b="1" spc="-219" dirty="0">
+                <a:solidFill>
+                  <a:srgbClr val="0C7DFF"/>
+                </a:solidFill>
+                <a:latin typeface="210 도시락"/>
+                <a:ea typeface="210 도시락"/>
+                <a:cs typeface="210 도시락"/>
+                <a:sym typeface="210 도시락"/>
+              </a:rPr>
+              <a:t>로그인</a:t>
+            </a:r>
+          </a:p>
+        </p:txBody>
+      </p:sp>
+      <p:pic>
+        <p:nvPicPr>
+          <p:cNvPr id="3074" name="Picture 2">
+            <a:extLst>
+              <a:ext uri="{FF2B5EF4-FFF2-40B4-BE49-F238E27FC236}">
+                <a16:creationId xmlns:a16="http://schemas.microsoft.com/office/drawing/2014/main" id="{78D43850-03CE-463E-89D1-706ABBB93899}"/>
+              </a:ext>
+            </a:extLst>
+          </p:cNvPr>
+          <p:cNvPicPr>
+            <a:picLocks noChangeAspect="1" noChangeArrowheads="1"/>
+          </p:cNvPicPr>
+          <p:nvPr/>
+        </p:nvPicPr>
+        <p:blipFill>
+          <a:blip r:embed="rId2" cstate="print">
+            <a:extLst>
+              <a:ext uri="{28A0092B-C50C-407E-A947-70E740481C1C}">
+                <a14:useLocalDpi xmlns:a14="http://schemas.microsoft.com/office/drawing/2010/main" val="0"/>
+              </a:ext>
+            </a:extLst>
+          </a:blip>
+          <a:srcRect/>
+          <a:stretch>
+            <a:fillRect/>
+          </a:stretch>
+        </p:blipFill>
+        <p:spPr bwMode="auto">
+          <a:xfrm>
+            <a:off x="8001000" y="1104900"/>
+            <a:ext cx="8608798" cy="8443912"/>
+          </a:xfrm>
+          <a:prstGeom prst="rect">
+            <a:avLst/>
+          </a:prstGeom>
+          <a:noFill/>
+          <a:extLst>
+            <a:ext uri="{909E8E84-426E-40DD-AFC4-6F175D3DCCD1}">
+              <a14:hiddenFill xmlns:a14="http://schemas.microsoft.com/office/drawing/2010/main">
+                <a:solidFill>
+                  <a:srgbClr val="FFFFFF"/>
+                </a:solidFill>
+              </a14:hiddenFill>
+            </a:ext>
+          </a:extLst>
+        </p:spPr>
+      </p:pic>
+    </p:spTree>
+    <p:extLst>
+      <p:ext uri="{BB962C8B-B14F-4D97-AF65-F5344CB8AC3E}">
+        <p14:creationId xmlns:p14="http://schemas.microsoft.com/office/powerpoint/2010/main" val="4124270595"/>
+      </p:ext>
+    </p:extLst>
+  </p:cSld>
+  <p:clrMapOvr>
+    <a:masterClrMapping/>
+  </p:clrMapOvr>
+  <mc:AlternateContent xmlns:mc="http://schemas.openxmlformats.org/markup-compatibility/2006" xmlns:p14="http://schemas.microsoft.com/office/powerpoint/2010/main">
+    <mc:Choice Requires="p14">
+      <p:transition/>
+    </mc:Choice>
+    <mc:Fallback xmlns:dsp="http://schemas.microsoft.com/office/drawing/2008/diagram" xmlns:dgm="http://schemas.openxmlformats.org/drawingml/2006/diagram" xmlns:c="http://schemas.openxmlformats.org/drawingml/2006/chart" xmlns="">
+      <p:transition/>
+    </mc:Fallback>
+  </mc:AlternateContent>
+</p:sld>
+</file>
+
+<file path=ppt/slides/slide16.xml><?xml version="1.0" encoding="utf-8"?>
 <p:sld xmlns:a="http://schemas.openxmlformats.org/drawingml/2006/main" xmlns:r="http://schemas.openxmlformats.org/officeDocument/2006/relationships" xmlns:p="http://schemas.openxmlformats.org/presentationml/2006/main">
   <p:cSld>
     <p:spTree>
@@ -12816,14 +13266,14 @@
     <mc:Choice Requires="p14">
       <p:transition/>
     </mc:Choice>
-    <mc:Fallback xmlns="" xmlns:c="http://schemas.openxmlformats.org/drawingml/2006/chart" xmlns:dgm="http://schemas.openxmlformats.org/drawingml/2006/diagram" xmlns:dsp="http://schemas.microsoft.com/office/drawing/2008/diagram">
+    <mc:Fallback xmlns:dsp="http://schemas.microsoft.com/office/drawing/2008/diagram" xmlns:dgm="http://schemas.openxmlformats.org/drawingml/2006/diagram" xmlns:c="http://schemas.openxmlformats.org/drawingml/2006/chart" xmlns="">
       <p:transition/>
     </mc:Fallback>
   </mc:AlternateContent>
 </p:sld>
 </file>
 
-<file path=ppt/slides/slide16.xml><?xml version="1.0" encoding="utf-8"?>
+<file path=ppt/slides/slide17.xml><?xml version="1.0" encoding="utf-8"?>
 <p:sld xmlns:a="http://schemas.openxmlformats.org/drawingml/2006/main" xmlns:r="http://schemas.openxmlformats.org/officeDocument/2006/relationships" xmlns:p="http://schemas.openxmlformats.org/presentationml/2006/main">
   <p:cSld>
     <p:spTree>
@@ -14240,14 +14690,14 @@
     <mc:Choice Requires="p14">
       <p:transition/>
     </mc:Choice>
-    <mc:Fallback xmlns="" xmlns:c="http://schemas.openxmlformats.org/drawingml/2006/chart" xmlns:dgm="http://schemas.openxmlformats.org/drawingml/2006/diagram" xmlns:dsp="http://schemas.microsoft.com/office/drawing/2008/diagram">
+    <mc:Fallback xmlns:dsp="http://schemas.microsoft.com/office/drawing/2008/diagram" xmlns:dgm="http://schemas.openxmlformats.org/drawingml/2006/diagram" xmlns:c="http://schemas.openxmlformats.org/drawingml/2006/chart" xmlns="">
       <p:transition/>
     </mc:Fallback>
   </mc:AlternateContent>
 </p:sld>
 </file>
 
-<file path=ppt/slides/slide17.xml><?xml version="1.0" encoding="utf-8"?>
+<file path=ppt/slides/slide18.xml><?xml version="1.0" encoding="utf-8"?>
 <p:sld xmlns:a="http://schemas.openxmlformats.org/drawingml/2006/main" xmlns:r="http://schemas.openxmlformats.org/officeDocument/2006/relationships" xmlns:p="http://schemas.openxmlformats.org/presentationml/2006/main">
   <p:cSld>
     <p:spTree>
@@ -14399,7 +14849,7 @@
 </p:sld>
 </file>
 
-<file path=ppt/slides/slide18.xml><?xml version="1.0" encoding="utf-8"?>
+<file path=ppt/slides/slide19.xml><?xml version="1.0" encoding="utf-8"?>
 <p:sld xmlns:a="http://schemas.openxmlformats.org/drawingml/2006/main" xmlns:r="http://schemas.openxmlformats.org/officeDocument/2006/relationships" xmlns:p="http://schemas.openxmlformats.org/presentationml/2006/main">
   <p:cSld name="Slide 1">
     <p:bg>
@@ -15901,7 +16351,7 @@
                 <a:ea typeface="Noto Sans KR Bold"/>
                 <a:cs typeface="Noto Sans KR Bold"/>
               </a:rPr>
-              <a:t>. </a:t>
+              <a:t>, </a:t>
             </a:r>
             <a:r>
               <a:rPr lang="en-US" sz="1350" b="1" kern="0" spc="-75" dirty="0" err="1">
@@ -16232,7 +16682,7 @@
               <a:defRPr/>
             </a:pPr>
             <a:r>
-              <a:rPr lang="en-US" sz="1350" b="1" kern="0" spc="-75">
+              <a:rPr lang="en-US" sz="1350" b="1" kern="0" spc="-75" dirty="0" err="1">
                 <a:solidFill>
                   <a:srgbClr val="000000"/>
                 </a:solidFill>
@@ -16240,9 +16690,75 @@
                 <a:ea typeface="Noto Sans KR Bold"/>
                 <a:cs typeface="Noto Sans KR Bold"/>
               </a:rPr>
-              <a:t>프로젝트 만들기 페이지로 이동</a:t>
-            </a:r>
-            <a:endParaRPr lang="en-US" sz="1350"/>
+              <a:t>프로젝트</a:t>
+            </a:r>
+            <a:r>
+              <a:rPr lang="en-US" sz="1350" b="1" kern="0" spc="-75" dirty="0">
+                <a:solidFill>
+                  <a:srgbClr val="000000"/>
+                </a:solidFill>
+                <a:latin typeface="Noto Sans KR Bold"/>
+                <a:ea typeface="Noto Sans KR Bold"/>
+                <a:cs typeface="Noto Sans KR Bold"/>
+              </a:rPr>
+              <a:t> </a:t>
+            </a:r>
+            <a:r>
+              <a:rPr lang="en-US" sz="1350" b="1" kern="0" spc="-75" dirty="0" err="1">
+                <a:solidFill>
+                  <a:srgbClr val="000000"/>
+                </a:solidFill>
+                <a:latin typeface="Noto Sans KR Bold"/>
+                <a:ea typeface="Noto Sans KR Bold"/>
+                <a:cs typeface="Noto Sans KR Bold"/>
+              </a:rPr>
+              <a:t>만들기</a:t>
+            </a:r>
+            <a:r>
+              <a:rPr lang="en-US" sz="1350" b="1" kern="0" spc="-75" dirty="0">
+                <a:solidFill>
+                  <a:srgbClr val="000000"/>
+                </a:solidFill>
+                <a:latin typeface="Noto Sans KR Bold"/>
+                <a:ea typeface="Noto Sans KR Bold"/>
+                <a:cs typeface="Noto Sans KR Bold"/>
+              </a:rPr>
+              <a:t> </a:t>
+            </a:r>
+            <a:r>
+              <a:rPr lang="en-US" sz="1350" b="1" kern="0" spc="-75" dirty="0" err="1">
+                <a:solidFill>
+                  <a:srgbClr val="000000"/>
+                </a:solidFill>
+                <a:latin typeface="Noto Sans KR Bold"/>
+                <a:ea typeface="Noto Sans KR Bold"/>
+                <a:cs typeface="Noto Sans KR Bold"/>
+              </a:rPr>
+              <a:t>페이지로</a:t>
+            </a:r>
+            <a:r>
+              <a:rPr lang="en-US" sz="1350" b="1" kern="0" spc="-75" dirty="0">
+                <a:solidFill>
+                  <a:srgbClr val="000000"/>
+                </a:solidFill>
+                <a:latin typeface="Noto Sans KR Bold"/>
+                <a:ea typeface="Noto Sans KR Bold"/>
+                <a:cs typeface="Noto Sans KR Bold"/>
+              </a:rPr>
+              <a:t> </a:t>
+            </a:r>
+            <a:r>
+              <a:rPr lang="en-US" sz="1350" b="1" kern="0" spc="-75" dirty="0" err="1">
+                <a:solidFill>
+                  <a:srgbClr val="000000"/>
+                </a:solidFill>
+                <a:latin typeface="Noto Sans KR Bold"/>
+                <a:ea typeface="Noto Sans KR Bold"/>
+                <a:cs typeface="Noto Sans KR Bold"/>
+              </a:rPr>
+              <a:t>이동</a:t>
+            </a:r>
+            <a:endParaRPr lang="en-US" sz="1350" dirty="0"/>
           </a:p>
         </p:txBody>
       </p:sp>
@@ -17011,14 +17527,499 @@
     <mc:Choice Requires="p14">
       <p:transition/>
     </mc:Choice>
-    <mc:Fallback xmlns="" xmlns:c="http://schemas.openxmlformats.org/drawingml/2006/chart" xmlns:dgm="http://schemas.openxmlformats.org/drawingml/2006/diagram" xmlns:dsp="http://schemas.microsoft.com/office/drawing/2008/diagram">
+    <mc:Fallback xmlns:dsp="http://schemas.microsoft.com/office/drawing/2008/diagram" xmlns:dgm="http://schemas.openxmlformats.org/drawingml/2006/diagram" xmlns:c="http://schemas.openxmlformats.org/drawingml/2006/chart" xmlns="">
       <p:transition/>
     </mc:Fallback>
   </mc:AlternateContent>
 </p:sld>
 </file>
 
-<file path=ppt/slides/slide19.xml><?xml version="1.0" encoding="utf-8"?>
+<file path=ppt/slides/slide2.xml><?xml version="1.0" encoding="utf-8"?>
+<p:sld xmlns:a="http://schemas.openxmlformats.org/drawingml/2006/main" xmlns:r="http://schemas.openxmlformats.org/officeDocument/2006/relationships" xmlns:p="http://schemas.openxmlformats.org/presentationml/2006/main">
+  <p:cSld>
+    <p:spTree>
+      <p:nvGrpSpPr>
+        <p:cNvPr id="1" name=""/>
+        <p:cNvGrpSpPr/>
+        <p:nvPr/>
+      </p:nvGrpSpPr>
+      <p:grpSpPr>
+        <a:xfrm>
+          <a:off x="0" y="0"/>
+          <a:ext cx="0" cy="0"/>
+          <a:chOff x="0" y="0"/>
+          <a:chExt cx="0" cy="0"/>
+        </a:xfrm>
+      </p:grpSpPr>
+      <p:sp>
+        <p:nvSpPr>
+          <p:cNvPr id="2" name="AutoShape 2"/>
+          <p:cNvSpPr/>
+          <p:nvPr/>
+        </p:nvSpPr>
+        <p:spPr>
+          <a:xfrm>
+            <a:off x="1028700" y="3406915"/>
+            <a:ext cx="16230600" cy="0"/>
+          </a:xfrm>
+          <a:prstGeom prst="line">
+            <a:avLst/>
+          </a:prstGeom>
+          <a:ln w="9525" cap="flat">
+            <a:solidFill>
+              <a:srgbClr val="29C3FF"/>
+            </a:solidFill>
+            <a:prstDash val="solid"/>
+            <a:headEnd w="sm" len="sm"/>
+            <a:tailEnd w="sm" len="sm"/>
+          </a:ln>
+        </p:spPr>
+        <p:txBody>
+          <a:bodyPr wrap="square"/>
+          <a:lstStyle/>
+          <a:p>
+            <a:pPr lvl="0">
+              <a:defRPr/>
+            </a:pPr>
+            <a:endParaRPr lang="ko-KR" altLang="en-US"/>
+          </a:p>
+        </p:txBody>
+      </p:sp>
+      <p:sp>
+        <p:nvSpPr>
+          <p:cNvPr id="3" name="AutoShape 3"/>
+          <p:cNvSpPr/>
+          <p:nvPr/>
+        </p:nvSpPr>
+        <p:spPr>
+          <a:xfrm>
+            <a:off x="1028700" y="3458584"/>
+            <a:ext cx="16230600" cy="0"/>
+          </a:xfrm>
+          <a:prstGeom prst="line">
+            <a:avLst/>
+          </a:prstGeom>
+          <a:ln w="9525" cap="flat">
+            <a:solidFill>
+              <a:srgbClr val="29C3FF"/>
+            </a:solidFill>
+            <a:prstDash val="solid"/>
+            <a:headEnd w="sm" len="sm"/>
+            <a:tailEnd w="sm" len="sm"/>
+          </a:ln>
+        </p:spPr>
+        <p:txBody>
+          <a:bodyPr wrap="square"/>
+          <a:lstStyle/>
+          <a:p>
+            <a:pPr lvl="0">
+              <a:defRPr/>
+            </a:pPr>
+            <a:endParaRPr lang="ko-KR" altLang="en-US"/>
+          </a:p>
+        </p:txBody>
+      </p:sp>
+      <p:sp>
+        <p:nvSpPr>
+          <p:cNvPr id="5" name="TextBox 5"/>
+          <p:cNvSpPr txBox="1"/>
+          <p:nvPr/>
+        </p:nvSpPr>
+        <p:spPr>
+          <a:xfrm>
+            <a:off x="2819400" y="4000500"/>
+            <a:ext cx="5893185" cy="5113516"/>
+          </a:xfrm>
+          <a:prstGeom prst="rect">
+            <a:avLst/>
+          </a:prstGeom>
+        </p:spPr>
+        <p:txBody>
+          <a:bodyPr wrap="square" lIns="0" tIns="0" rIns="0" bIns="0" anchor="t">
+            <a:spAutoFit/>
+          </a:bodyPr>
+          <a:lstStyle/>
+          <a:p>
+            <a:pPr marL="514350" indent="-514350">
+              <a:lnSpc>
+                <a:spcPts val="6840"/>
+              </a:lnSpc>
+              <a:buFont typeface="+mj-lt"/>
+              <a:buAutoNum type="arabicPeriod"/>
+              <a:defRPr/>
+            </a:pPr>
+            <a:r>
+              <a:rPr lang="ko-KR" altLang="en-US" sz="3000" spc="-60">
+                <a:solidFill>
+                  <a:srgbClr val="000000"/>
+                </a:solidFill>
+                <a:latin typeface="210 도시락"/>
+                <a:ea typeface="210 도시락"/>
+                <a:cs typeface="Canva Sans"/>
+                <a:sym typeface="Canva Sans"/>
+              </a:rPr>
+              <a:t>개요</a:t>
+            </a:r>
+          </a:p>
+          <a:p>
+            <a:pPr marL="514350" indent="-514350">
+              <a:lnSpc>
+                <a:spcPts val="6840"/>
+              </a:lnSpc>
+              <a:buFont typeface="+mj-lt"/>
+              <a:buAutoNum type="arabicPeriod"/>
+              <a:defRPr/>
+            </a:pPr>
+            <a:r>
+              <a:rPr lang="en-US" altLang="ko-KR" sz="3000" spc="-60">
+                <a:solidFill>
+                  <a:srgbClr val="000000"/>
+                </a:solidFill>
+                <a:latin typeface="210 도시락"/>
+                <a:ea typeface="210 도시락"/>
+                <a:cs typeface="Canva Sans"/>
+                <a:sym typeface="Canva Sans"/>
+              </a:rPr>
+              <a:t>History</a:t>
+            </a:r>
+          </a:p>
+          <a:p>
+            <a:pPr marL="514350" indent="-514350">
+              <a:lnSpc>
+                <a:spcPts val="6840"/>
+              </a:lnSpc>
+              <a:buFont typeface="+mj-lt"/>
+              <a:buAutoNum type="arabicPeriod"/>
+              <a:defRPr/>
+            </a:pPr>
+            <a:r>
+              <a:rPr lang="ko-KR" altLang="en-US" sz="3000" spc="-60">
+                <a:solidFill>
+                  <a:srgbClr val="000000"/>
+                </a:solidFill>
+                <a:latin typeface="210 도시락"/>
+                <a:ea typeface="210 도시락"/>
+                <a:cs typeface="Canva Sans"/>
+                <a:sym typeface="Canva Sans"/>
+              </a:rPr>
+              <a:t>유스케이스 다이어그램</a:t>
+            </a:r>
+          </a:p>
+          <a:p>
+            <a:pPr marL="514350" indent="-514350">
+              <a:lnSpc>
+                <a:spcPts val="6840"/>
+              </a:lnSpc>
+              <a:buFont typeface="+mj-lt"/>
+              <a:buAutoNum type="arabicPeriod"/>
+              <a:defRPr/>
+            </a:pPr>
+            <a:r>
+              <a:rPr lang="ko-KR" altLang="en-US" sz="3000" spc="-60">
+                <a:solidFill>
+                  <a:srgbClr val="000000"/>
+                </a:solidFill>
+                <a:latin typeface="210 도시락"/>
+                <a:ea typeface="210 도시락"/>
+                <a:cs typeface="Canva Sans"/>
+                <a:sym typeface="Canva Sans"/>
+              </a:rPr>
+              <a:t>유스케이스 명세서</a:t>
+            </a:r>
+          </a:p>
+          <a:p>
+            <a:pPr marL="514350" indent="-514350">
+              <a:lnSpc>
+                <a:spcPts val="6840"/>
+              </a:lnSpc>
+              <a:buFont typeface="+mj-lt"/>
+              <a:buAutoNum type="arabicPeriod"/>
+              <a:defRPr/>
+            </a:pPr>
+            <a:r>
+              <a:rPr lang="ko-KR" altLang="en-US" sz="3000" spc="-60">
+                <a:solidFill>
+                  <a:srgbClr val="000000"/>
+                </a:solidFill>
+                <a:latin typeface="210 도시락"/>
+                <a:ea typeface="210 도시락"/>
+                <a:cs typeface="Canva Sans"/>
+                <a:sym typeface="Canva Sans"/>
+              </a:rPr>
+              <a:t>메뉴 구조</a:t>
+            </a:r>
+          </a:p>
+          <a:p>
+            <a:pPr marL="514350" indent="-514350">
+              <a:lnSpc>
+                <a:spcPts val="6840"/>
+              </a:lnSpc>
+              <a:buFont typeface="+mj-lt"/>
+              <a:buAutoNum type="arabicPeriod"/>
+              <a:defRPr/>
+            </a:pPr>
+            <a:r>
+              <a:rPr lang="en-US" sz="3000" spc="-60">
+                <a:solidFill>
+                  <a:srgbClr val="000000"/>
+                </a:solidFill>
+                <a:latin typeface="210 도시락"/>
+                <a:ea typeface="210 도시락"/>
+                <a:cs typeface="Canva Sans"/>
+                <a:sym typeface="Canva Sans"/>
+              </a:rPr>
+              <a:t>List of screen(</a:t>
+            </a:r>
+            <a:r>
+              <a:rPr lang="ko-KR" altLang="en-US" sz="3000" spc="-60">
+                <a:solidFill>
+                  <a:srgbClr val="000000"/>
+                </a:solidFill>
+                <a:latin typeface="210 도시락"/>
+                <a:ea typeface="210 도시락"/>
+                <a:cs typeface="Canva Sans"/>
+                <a:sym typeface="Canva Sans"/>
+              </a:rPr>
+              <a:t>스크린리스트</a:t>
+            </a:r>
+            <a:r>
+              <a:rPr lang="en-US" altLang="ko-KR" sz="3000" spc="-60">
+                <a:solidFill>
+                  <a:srgbClr val="000000"/>
+                </a:solidFill>
+                <a:latin typeface="+mn-ea"/>
+                <a:ea typeface="210 도시락"/>
+                <a:cs typeface="Canva Sans"/>
+                <a:sym typeface="Canva Sans"/>
+              </a:rPr>
+              <a:t>)</a:t>
+            </a:r>
+            <a:endParaRPr lang="en-US" sz="3000" spc="-60">
+              <a:solidFill>
+                <a:srgbClr val="000000"/>
+              </a:solidFill>
+              <a:latin typeface="+mn-ea"/>
+              <a:cs typeface="Canva Sans"/>
+              <a:sym typeface="Canva Sans"/>
+            </a:endParaRPr>
+          </a:p>
+        </p:txBody>
+      </p:sp>
+      <p:sp>
+        <p:nvSpPr>
+          <p:cNvPr id="6" name="TextBox 6"/>
+          <p:cNvSpPr txBox="1"/>
+          <p:nvPr/>
+        </p:nvSpPr>
+        <p:spPr>
+          <a:xfrm>
+            <a:off x="3303457" y="1028700"/>
+            <a:ext cx="11681086" cy="1600200"/>
+          </a:xfrm>
+          <a:prstGeom prst="rect">
+            <a:avLst/>
+          </a:prstGeom>
+        </p:spPr>
+        <p:txBody>
+          <a:bodyPr lIns="0" tIns="0" rIns="0" bIns="0" anchor="t">
+            <a:spAutoFit/>
+          </a:bodyPr>
+          <a:lstStyle/>
+          <a:p>
+            <a:pPr algn="ctr">
+              <a:lnSpc>
+                <a:spcPts val="12599"/>
+              </a:lnSpc>
+              <a:spcBef>
+                <a:spcPct val="0"/>
+              </a:spcBef>
+              <a:defRPr/>
+            </a:pPr>
+            <a:r>
+              <a:rPr lang="en-US" sz="9000" b="1" spc="381">
+                <a:solidFill>
+                  <a:srgbClr val="29C3FF"/>
+                </a:solidFill>
+                <a:latin typeface="210 도시락"/>
+                <a:ea typeface="210 도시락"/>
+                <a:cs typeface="210 도시락"/>
+                <a:sym typeface="210 도시락"/>
+              </a:rPr>
+              <a:t>목차</a:t>
+            </a:r>
+          </a:p>
+        </p:txBody>
+      </p:sp>
+      <p:sp>
+        <p:nvSpPr>
+          <p:cNvPr id="8" name="TextBox 5"/>
+          <p:cNvSpPr txBox="1"/>
+          <p:nvPr/>
+        </p:nvSpPr>
+        <p:spPr>
+          <a:xfrm>
+            <a:off x="9575415" y="4000500"/>
+            <a:ext cx="5893185" cy="4241482"/>
+          </a:xfrm>
+          <a:prstGeom prst="rect">
+            <a:avLst/>
+          </a:prstGeom>
+        </p:spPr>
+        <p:txBody>
+          <a:bodyPr wrap="square" lIns="0" tIns="0" rIns="0" bIns="0" anchor="t">
+            <a:spAutoFit/>
+          </a:bodyPr>
+          <a:lstStyle/>
+          <a:p>
+            <a:pPr marL="514350" indent="-514350">
+              <a:lnSpc>
+                <a:spcPts val="6840"/>
+              </a:lnSpc>
+              <a:buFont typeface="+mj-lt"/>
+              <a:buAutoNum type="arabicPeriod" startAt="7"/>
+              <a:defRPr/>
+            </a:pPr>
+            <a:r>
+              <a:rPr lang="en-US" sz="3000" spc="-60">
+                <a:solidFill>
+                  <a:srgbClr val="000000"/>
+                </a:solidFill>
+                <a:latin typeface="210 도시락"/>
+                <a:ea typeface="210 도시락"/>
+                <a:cs typeface="Canva Sans"/>
+                <a:sym typeface="Canva Sans"/>
+              </a:rPr>
+              <a:t>Process</a:t>
+            </a:r>
+          </a:p>
+          <a:p>
+            <a:pPr marL="514350" indent="-514350">
+              <a:lnSpc>
+                <a:spcPts val="6840"/>
+              </a:lnSpc>
+              <a:buFont typeface="+mj-lt"/>
+              <a:buAutoNum type="arabicPeriod" startAt="7"/>
+              <a:defRPr/>
+            </a:pPr>
+            <a:r>
+              <a:rPr lang="en-US" sz="3000" spc="-60">
+                <a:solidFill>
+                  <a:srgbClr val="000000"/>
+                </a:solidFill>
+                <a:latin typeface="210 도시락"/>
+                <a:ea typeface="210 도시락"/>
+                <a:cs typeface="Canva Sans"/>
+                <a:sym typeface="Canva Sans"/>
+              </a:rPr>
+              <a:t>Flow chart</a:t>
+            </a:r>
+          </a:p>
+          <a:p>
+            <a:pPr marL="514350" indent="-514350">
+              <a:lnSpc>
+                <a:spcPts val="6840"/>
+              </a:lnSpc>
+              <a:buFont typeface="+mj-lt"/>
+              <a:buAutoNum type="arabicPeriod" startAt="7"/>
+              <a:defRPr/>
+            </a:pPr>
+            <a:r>
+              <a:rPr lang="en-US" sz="3000" spc="-60">
+                <a:solidFill>
+                  <a:srgbClr val="000000"/>
+                </a:solidFill>
+                <a:latin typeface="210 도시락"/>
+                <a:ea typeface="210 도시락"/>
+                <a:cs typeface="Canva Sans"/>
+                <a:sym typeface="Canva Sans"/>
+              </a:rPr>
+              <a:t>Permission</a:t>
+            </a:r>
+          </a:p>
+          <a:p>
+            <a:pPr marL="514350" indent="-514350">
+              <a:lnSpc>
+                <a:spcPts val="6840"/>
+              </a:lnSpc>
+              <a:buFont typeface="+mj-lt"/>
+              <a:buAutoNum type="arabicPeriod" startAt="7"/>
+              <a:defRPr/>
+            </a:pPr>
+            <a:r>
+              <a:rPr lang="en-US" sz="3000" spc="-60">
+                <a:solidFill>
+                  <a:srgbClr val="000000"/>
+                </a:solidFill>
+                <a:latin typeface="210 도시락"/>
+                <a:ea typeface="210 도시락"/>
+                <a:cs typeface="Canva Sans"/>
+                <a:sym typeface="Canva Sans"/>
+              </a:rPr>
+              <a:t> Policy</a:t>
+            </a:r>
+          </a:p>
+          <a:p>
+            <a:pPr marL="514350" indent="-514350">
+              <a:lnSpc>
+                <a:spcPts val="6840"/>
+              </a:lnSpc>
+              <a:buFont typeface="+mj-lt"/>
+              <a:buAutoNum type="arabicPeriod" startAt="7"/>
+              <a:defRPr/>
+            </a:pPr>
+            <a:r>
+              <a:rPr lang="en-US" sz="3000" spc="-60">
+                <a:solidFill>
+                  <a:srgbClr val="000000"/>
+                </a:solidFill>
+                <a:latin typeface="210 도시락"/>
+                <a:ea typeface="210 도시락"/>
+                <a:cs typeface="Canva Sans"/>
+                <a:sym typeface="Canva Sans"/>
+              </a:rPr>
+              <a:t> </a:t>
+            </a:r>
+            <a:r>
+              <a:rPr lang="ko-KR" altLang="en-US" sz="3000" spc="-60">
+                <a:solidFill>
+                  <a:srgbClr val="000000"/>
+                </a:solidFill>
+                <a:latin typeface="210 도시락"/>
+                <a:ea typeface="210 도시락"/>
+                <a:cs typeface="Canva Sans"/>
+                <a:sym typeface="Canva Sans"/>
+              </a:rPr>
+              <a:t>화면 설계</a:t>
+            </a:r>
+            <a:endParaRPr lang="en-US" sz="3000" spc="-60">
+              <a:solidFill>
+                <a:srgbClr val="000000"/>
+              </a:solidFill>
+              <a:latin typeface="210 도시락"/>
+              <a:ea typeface="210 도시락"/>
+              <a:cs typeface="Canva Sans"/>
+              <a:sym typeface="Canva Sans"/>
+            </a:endParaRPr>
+          </a:p>
+        </p:txBody>
+      </p:sp>
+    </p:spTree>
+  </p:cSld>
+  <p:clrMapOvr>
+    <a:masterClrMapping/>
+  </p:clrMapOvr>
+  <mc:AlternateContent xmlns:mc="http://schemas.openxmlformats.org/markup-compatibility/2006" xmlns:p14="http://schemas.microsoft.com/office/powerpoint/2010/main">
+    <mc:Choice Requires="p14">
+      <p:transition/>
+    </mc:Choice>
+    <mc:Fallback xmlns:dsp="http://schemas.microsoft.com/office/drawing/2008/diagram" xmlns:dgm="http://schemas.openxmlformats.org/drawingml/2006/diagram" xmlns:c="http://schemas.openxmlformats.org/drawingml/2006/chart" xmlns="">
+      <p:transition/>
+    </mc:Fallback>
+  </mc:AlternateContent>
+</p:sld>
+</file>
+
+<file path=ppt/slides/slide20.xml><?xml version="1.0" encoding="utf-8"?>
 <p:sld xmlns:a="http://schemas.openxmlformats.org/drawingml/2006/main" xmlns:r="http://schemas.openxmlformats.org/officeDocument/2006/relationships" xmlns:p="http://schemas.openxmlformats.org/presentationml/2006/main">
   <p:cSld name="Slide 2">
     <p:bg>
@@ -19275,499 +20276,14 @@
     <mc:Choice Requires="p14">
       <p:transition/>
     </mc:Choice>
-    <mc:Fallback xmlns="" xmlns:c="http://schemas.openxmlformats.org/drawingml/2006/chart" xmlns:dgm="http://schemas.openxmlformats.org/drawingml/2006/diagram" xmlns:dsp="http://schemas.microsoft.com/office/drawing/2008/diagram">
+    <mc:Fallback xmlns:dsp="http://schemas.microsoft.com/office/drawing/2008/diagram" xmlns:dgm="http://schemas.openxmlformats.org/drawingml/2006/diagram" xmlns:c="http://schemas.openxmlformats.org/drawingml/2006/chart" xmlns="">
       <p:transition/>
     </mc:Fallback>
   </mc:AlternateContent>
 </p:sld>
 </file>
 
-<file path=ppt/slides/slide2.xml><?xml version="1.0" encoding="utf-8"?>
-<p:sld xmlns:a="http://schemas.openxmlformats.org/drawingml/2006/main" xmlns:r="http://schemas.openxmlformats.org/officeDocument/2006/relationships" xmlns:p="http://schemas.openxmlformats.org/presentationml/2006/main">
-  <p:cSld>
-    <p:spTree>
-      <p:nvGrpSpPr>
-        <p:cNvPr id="1" name=""/>
-        <p:cNvGrpSpPr/>
-        <p:nvPr/>
-      </p:nvGrpSpPr>
-      <p:grpSpPr>
-        <a:xfrm>
-          <a:off x="0" y="0"/>
-          <a:ext cx="0" cy="0"/>
-          <a:chOff x="0" y="0"/>
-          <a:chExt cx="0" cy="0"/>
-        </a:xfrm>
-      </p:grpSpPr>
-      <p:sp>
-        <p:nvSpPr>
-          <p:cNvPr id="2" name="AutoShape 2"/>
-          <p:cNvSpPr/>
-          <p:nvPr/>
-        </p:nvSpPr>
-        <p:spPr>
-          <a:xfrm>
-            <a:off x="1028700" y="3406915"/>
-            <a:ext cx="16230600" cy="0"/>
-          </a:xfrm>
-          <a:prstGeom prst="line">
-            <a:avLst/>
-          </a:prstGeom>
-          <a:ln w="9525" cap="flat">
-            <a:solidFill>
-              <a:srgbClr val="29C3FF"/>
-            </a:solidFill>
-            <a:prstDash val="solid"/>
-            <a:headEnd w="sm" len="sm"/>
-            <a:tailEnd w="sm" len="sm"/>
-          </a:ln>
-        </p:spPr>
-        <p:txBody>
-          <a:bodyPr wrap="square"/>
-          <a:lstStyle/>
-          <a:p>
-            <a:pPr lvl="0">
-              <a:defRPr/>
-            </a:pPr>
-            <a:endParaRPr lang="ko-KR" altLang="en-US"/>
-          </a:p>
-        </p:txBody>
-      </p:sp>
-      <p:sp>
-        <p:nvSpPr>
-          <p:cNvPr id="3" name="AutoShape 3"/>
-          <p:cNvSpPr/>
-          <p:nvPr/>
-        </p:nvSpPr>
-        <p:spPr>
-          <a:xfrm>
-            <a:off x="1028700" y="3458584"/>
-            <a:ext cx="16230600" cy="0"/>
-          </a:xfrm>
-          <a:prstGeom prst="line">
-            <a:avLst/>
-          </a:prstGeom>
-          <a:ln w="9525" cap="flat">
-            <a:solidFill>
-              <a:srgbClr val="29C3FF"/>
-            </a:solidFill>
-            <a:prstDash val="solid"/>
-            <a:headEnd w="sm" len="sm"/>
-            <a:tailEnd w="sm" len="sm"/>
-          </a:ln>
-        </p:spPr>
-        <p:txBody>
-          <a:bodyPr wrap="square"/>
-          <a:lstStyle/>
-          <a:p>
-            <a:pPr lvl="0">
-              <a:defRPr/>
-            </a:pPr>
-            <a:endParaRPr lang="ko-KR" altLang="en-US"/>
-          </a:p>
-        </p:txBody>
-      </p:sp>
-      <p:sp>
-        <p:nvSpPr>
-          <p:cNvPr id="5" name="TextBox 5"/>
-          <p:cNvSpPr txBox="1"/>
-          <p:nvPr/>
-        </p:nvSpPr>
-        <p:spPr>
-          <a:xfrm>
-            <a:off x="2819400" y="4000500"/>
-            <a:ext cx="5893185" cy="5113516"/>
-          </a:xfrm>
-          <a:prstGeom prst="rect">
-            <a:avLst/>
-          </a:prstGeom>
-        </p:spPr>
-        <p:txBody>
-          <a:bodyPr wrap="square" lIns="0" tIns="0" rIns="0" bIns="0" anchor="t">
-            <a:spAutoFit/>
-          </a:bodyPr>
-          <a:lstStyle/>
-          <a:p>
-            <a:pPr marL="514350" indent="-514350">
-              <a:lnSpc>
-                <a:spcPts val="6840"/>
-              </a:lnSpc>
-              <a:buFont typeface="+mj-lt"/>
-              <a:buAutoNum type="arabicPeriod"/>
-              <a:defRPr/>
-            </a:pPr>
-            <a:r>
-              <a:rPr lang="ko-KR" altLang="en-US" sz="3000" spc="-60">
-                <a:solidFill>
-                  <a:srgbClr val="000000"/>
-                </a:solidFill>
-                <a:latin typeface="210 도시락"/>
-                <a:ea typeface="210 도시락"/>
-                <a:cs typeface="Canva Sans"/>
-                <a:sym typeface="Canva Sans"/>
-              </a:rPr>
-              <a:t>개요</a:t>
-            </a:r>
-          </a:p>
-          <a:p>
-            <a:pPr marL="514350" indent="-514350">
-              <a:lnSpc>
-                <a:spcPts val="6840"/>
-              </a:lnSpc>
-              <a:buFont typeface="+mj-lt"/>
-              <a:buAutoNum type="arabicPeriod"/>
-              <a:defRPr/>
-            </a:pPr>
-            <a:r>
-              <a:rPr lang="en-US" altLang="ko-KR" sz="3000" spc="-60">
-                <a:solidFill>
-                  <a:srgbClr val="000000"/>
-                </a:solidFill>
-                <a:latin typeface="210 도시락"/>
-                <a:ea typeface="210 도시락"/>
-                <a:cs typeface="Canva Sans"/>
-                <a:sym typeface="Canva Sans"/>
-              </a:rPr>
-              <a:t>History</a:t>
-            </a:r>
-          </a:p>
-          <a:p>
-            <a:pPr marL="514350" indent="-514350">
-              <a:lnSpc>
-                <a:spcPts val="6840"/>
-              </a:lnSpc>
-              <a:buFont typeface="+mj-lt"/>
-              <a:buAutoNum type="arabicPeriod"/>
-              <a:defRPr/>
-            </a:pPr>
-            <a:r>
-              <a:rPr lang="ko-KR" altLang="en-US" sz="3000" spc="-60">
-                <a:solidFill>
-                  <a:srgbClr val="000000"/>
-                </a:solidFill>
-                <a:latin typeface="210 도시락"/>
-                <a:ea typeface="210 도시락"/>
-                <a:cs typeface="Canva Sans"/>
-                <a:sym typeface="Canva Sans"/>
-              </a:rPr>
-              <a:t>유스케이스 다이어그램</a:t>
-            </a:r>
-          </a:p>
-          <a:p>
-            <a:pPr marL="514350" indent="-514350">
-              <a:lnSpc>
-                <a:spcPts val="6840"/>
-              </a:lnSpc>
-              <a:buFont typeface="+mj-lt"/>
-              <a:buAutoNum type="arabicPeriod"/>
-              <a:defRPr/>
-            </a:pPr>
-            <a:r>
-              <a:rPr lang="ko-KR" altLang="en-US" sz="3000" spc="-60">
-                <a:solidFill>
-                  <a:srgbClr val="000000"/>
-                </a:solidFill>
-                <a:latin typeface="210 도시락"/>
-                <a:ea typeface="210 도시락"/>
-                <a:cs typeface="Canva Sans"/>
-                <a:sym typeface="Canva Sans"/>
-              </a:rPr>
-              <a:t>유스케이스 명세서</a:t>
-            </a:r>
-          </a:p>
-          <a:p>
-            <a:pPr marL="514350" indent="-514350">
-              <a:lnSpc>
-                <a:spcPts val="6840"/>
-              </a:lnSpc>
-              <a:buFont typeface="+mj-lt"/>
-              <a:buAutoNum type="arabicPeriod"/>
-              <a:defRPr/>
-            </a:pPr>
-            <a:r>
-              <a:rPr lang="ko-KR" altLang="en-US" sz="3000" spc="-60">
-                <a:solidFill>
-                  <a:srgbClr val="000000"/>
-                </a:solidFill>
-                <a:latin typeface="210 도시락"/>
-                <a:ea typeface="210 도시락"/>
-                <a:cs typeface="Canva Sans"/>
-                <a:sym typeface="Canva Sans"/>
-              </a:rPr>
-              <a:t>메뉴 구조</a:t>
-            </a:r>
-          </a:p>
-          <a:p>
-            <a:pPr marL="514350" indent="-514350">
-              <a:lnSpc>
-                <a:spcPts val="6840"/>
-              </a:lnSpc>
-              <a:buFont typeface="+mj-lt"/>
-              <a:buAutoNum type="arabicPeriod"/>
-              <a:defRPr/>
-            </a:pPr>
-            <a:r>
-              <a:rPr lang="en-US" sz="3000" spc="-60">
-                <a:solidFill>
-                  <a:srgbClr val="000000"/>
-                </a:solidFill>
-                <a:latin typeface="210 도시락"/>
-                <a:ea typeface="210 도시락"/>
-                <a:cs typeface="Canva Sans"/>
-                <a:sym typeface="Canva Sans"/>
-              </a:rPr>
-              <a:t>List of screen(</a:t>
-            </a:r>
-            <a:r>
-              <a:rPr lang="ko-KR" altLang="en-US" sz="3000" spc="-60">
-                <a:solidFill>
-                  <a:srgbClr val="000000"/>
-                </a:solidFill>
-                <a:latin typeface="210 도시락"/>
-                <a:ea typeface="210 도시락"/>
-                <a:cs typeface="Canva Sans"/>
-                <a:sym typeface="Canva Sans"/>
-              </a:rPr>
-              <a:t>스크린리스트</a:t>
-            </a:r>
-            <a:r>
-              <a:rPr lang="en-US" altLang="ko-KR" sz="3000" spc="-60">
-                <a:solidFill>
-                  <a:srgbClr val="000000"/>
-                </a:solidFill>
-                <a:latin typeface="+mn-ea"/>
-                <a:ea typeface="210 도시락"/>
-                <a:cs typeface="Canva Sans"/>
-                <a:sym typeface="Canva Sans"/>
-              </a:rPr>
-              <a:t>)</a:t>
-            </a:r>
-            <a:endParaRPr lang="en-US" sz="3000" spc="-60">
-              <a:solidFill>
-                <a:srgbClr val="000000"/>
-              </a:solidFill>
-              <a:latin typeface="+mn-ea"/>
-              <a:cs typeface="Canva Sans"/>
-              <a:sym typeface="Canva Sans"/>
-            </a:endParaRPr>
-          </a:p>
-        </p:txBody>
-      </p:sp>
-      <p:sp>
-        <p:nvSpPr>
-          <p:cNvPr id="6" name="TextBox 6"/>
-          <p:cNvSpPr txBox="1"/>
-          <p:nvPr/>
-        </p:nvSpPr>
-        <p:spPr>
-          <a:xfrm>
-            <a:off x="3303457" y="1028700"/>
-            <a:ext cx="11681086" cy="1600200"/>
-          </a:xfrm>
-          <a:prstGeom prst="rect">
-            <a:avLst/>
-          </a:prstGeom>
-        </p:spPr>
-        <p:txBody>
-          <a:bodyPr lIns="0" tIns="0" rIns="0" bIns="0" anchor="t">
-            <a:spAutoFit/>
-          </a:bodyPr>
-          <a:lstStyle/>
-          <a:p>
-            <a:pPr algn="ctr">
-              <a:lnSpc>
-                <a:spcPts val="12599"/>
-              </a:lnSpc>
-              <a:spcBef>
-                <a:spcPct val="0"/>
-              </a:spcBef>
-              <a:defRPr/>
-            </a:pPr>
-            <a:r>
-              <a:rPr lang="en-US" sz="9000" b="1" spc="381">
-                <a:solidFill>
-                  <a:srgbClr val="29C3FF"/>
-                </a:solidFill>
-                <a:latin typeface="210 도시락"/>
-                <a:ea typeface="210 도시락"/>
-                <a:cs typeface="210 도시락"/>
-                <a:sym typeface="210 도시락"/>
-              </a:rPr>
-              <a:t>목차</a:t>
-            </a:r>
-          </a:p>
-        </p:txBody>
-      </p:sp>
-      <p:sp>
-        <p:nvSpPr>
-          <p:cNvPr id="8" name="TextBox 5"/>
-          <p:cNvSpPr txBox="1"/>
-          <p:nvPr/>
-        </p:nvSpPr>
-        <p:spPr>
-          <a:xfrm>
-            <a:off x="9575415" y="4000500"/>
-            <a:ext cx="5893185" cy="4241482"/>
-          </a:xfrm>
-          <a:prstGeom prst="rect">
-            <a:avLst/>
-          </a:prstGeom>
-        </p:spPr>
-        <p:txBody>
-          <a:bodyPr wrap="square" lIns="0" tIns="0" rIns="0" bIns="0" anchor="t">
-            <a:spAutoFit/>
-          </a:bodyPr>
-          <a:lstStyle/>
-          <a:p>
-            <a:pPr marL="514350" indent="-514350">
-              <a:lnSpc>
-                <a:spcPts val="6840"/>
-              </a:lnSpc>
-              <a:buFont typeface="+mj-lt"/>
-              <a:buAutoNum type="arabicPeriod" startAt="7"/>
-              <a:defRPr/>
-            </a:pPr>
-            <a:r>
-              <a:rPr lang="en-US" sz="3000" spc="-60">
-                <a:solidFill>
-                  <a:srgbClr val="000000"/>
-                </a:solidFill>
-                <a:latin typeface="210 도시락"/>
-                <a:ea typeface="210 도시락"/>
-                <a:cs typeface="Canva Sans"/>
-                <a:sym typeface="Canva Sans"/>
-              </a:rPr>
-              <a:t>Process</a:t>
-            </a:r>
-          </a:p>
-          <a:p>
-            <a:pPr marL="514350" indent="-514350">
-              <a:lnSpc>
-                <a:spcPts val="6840"/>
-              </a:lnSpc>
-              <a:buFont typeface="+mj-lt"/>
-              <a:buAutoNum type="arabicPeriod" startAt="7"/>
-              <a:defRPr/>
-            </a:pPr>
-            <a:r>
-              <a:rPr lang="en-US" sz="3000" spc="-60">
-                <a:solidFill>
-                  <a:srgbClr val="000000"/>
-                </a:solidFill>
-                <a:latin typeface="210 도시락"/>
-                <a:ea typeface="210 도시락"/>
-                <a:cs typeface="Canva Sans"/>
-                <a:sym typeface="Canva Sans"/>
-              </a:rPr>
-              <a:t>Flow chart</a:t>
-            </a:r>
-          </a:p>
-          <a:p>
-            <a:pPr marL="514350" indent="-514350">
-              <a:lnSpc>
-                <a:spcPts val="6840"/>
-              </a:lnSpc>
-              <a:buFont typeface="+mj-lt"/>
-              <a:buAutoNum type="arabicPeriod" startAt="7"/>
-              <a:defRPr/>
-            </a:pPr>
-            <a:r>
-              <a:rPr lang="en-US" sz="3000" spc="-60">
-                <a:solidFill>
-                  <a:srgbClr val="000000"/>
-                </a:solidFill>
-                <a:latin typeface="210 도시락"/>
-                <a:ea typeface="210 도시락"/>
-                <a:cs typeface="Canva Sans"/>
-                <a:sym typeface="Canva Sans"/>
-              </a:rPr>
-              <a:t>Permission</a:t>
-            </a:r>
-          </a:p>
-          <a:p>
-            <a:pPr marL="514350" indent="-514350">
-              <a:lnSpc>
-                <a:spcPts val="6840"/>
-              </a:lnSpc>
-              <a:buFont typeface="+mj-lt"/>
-              <a:buAutoNum type="arabicPeriod" startAt="7"/>
-              <a:defRPr/>
-            </a:pPr>
-            <a:r>
-              <a:rPr lang="en-US" sz="3000" spc="-60">
-                <a:solidFill>
-                  <a:srgbClr val="000000"/>
-                </a:solidFill>
-                <a:latin typeface="210 도시락"/>
-                <a:ea typeface="210 도시락"/>
-                <a:cs typeface="Canva Sans"/>
-                <a:sym typeface="Canva Sans"/>
-              </a:rPr>
-              <a:t> Policy</a:t>
-            </a:r>
-          </a:p>
-          <a:p>
-            <a:pPr marL="514350" indent="-514350">
-              <a:lnSpc>
-                <a:spcPts val="6840"/>
-              </a:lnSpc>
-              <a:buFont typeface="+mj-lt"/>
-              <a:buAutoNum type="arabicPeriod" startAt="7"/>
-              <a:defRPr/>
-            </a:pPr>
-            <a:r>
-              <a:rPr lang="en-US" sz="3000" spc="-60">
-                <a:solidFill>
-                  <a:srgbClr val="000000"/>
-                </a:solidFill>
-                <a:latin typeface="210 도시락"/>
-                <a:ea typeface="210 도시락"/>
-                <a:cs typeface="Canva Sans"/>
-                <a:sym typeface="Canva Sans"/>
-              </a:rPr>
-              <a:t> </a:t>
-            </a:r>
-            <a:r>
-              <a:rPr lang="ko-KR" altLang="en-US" sz="3000" spc="-60">
-                <a:solidFill>
-                  <a:srgbClr val="000000"/>
-                </a:solidFill>
-                <a:latin typeface="210 도시락"/>
-                <a:ea typeface="210 도시락"/>
-                <a:cs typeface="Canva Sans"/>
-                <a:sym typeface="Canva Sans"/>
-              </a:rPr>
-              <a:t>화면 설계</a:t>
-            </a:r>
-            <a:endParaRPr lang="en-US" sz="3000" spc="-60">
-              <a:solidFill>
-                <a:srgbClr val="000000"/>
-              </a:solidFill>
-              <a:latin typeface="210 도시락"/>
-              <a:ea typeface="210 도시락"/>
-              <a:cs typeface="Canva Sans"/>
-              <a:sym typeface="Canva Sans"/>
-            </a:endParaRPr>
-          </a:p>
-        </p:txBody>
-      </p:sp>
-    </p:spTree>
-  </p:cSld>
-  <p:clrMapOvr>
-    <a:masterClrMapping/>
-  </p:clrMapOvr>
-  <mc:AlternateContent xmlns:mc="http://schemas.openxmlformats.org/markup-compatibility/2006" xmlns:p14="http://schemas.microsoft.com/office/powerpoint/2010/main">
-    <mc:Choice Requires="p14">
-      <p:transition/>
-    </mc:Choice>
-    <mc:Fallback xmlns="" xmlns:c="http://schemas.openxmlformats.org/drawingml/2006/chart" xmlns:dgm="http://schemas.openxmlformats.org/drawingml/2006/diagram" xmlns:dsp="http://schemas.microsoft.com/office/drawing/2008/diagram">
-      <p:transition/>
-    </mc:Fallback>
-  </mc:AlternateContent>
-</p:sld>
-</file>
-
-<file path=ppt/slides/slide20.xml><?xml version="1.0" encoding="utf-8"?>
+<file path=ppt/slides/slide21.xml><?xml version="1.0" encoding="utf-8"?>
 <p:sld xmlns:a="http://schemas.openxmlformats.org/drawingml/2006/main" xmlns:r="http://schemas.openxmlformats.org/officeDocument/2006/relationships" xmlns:p="http://schemas.openxmlformats.org/presentationml/2006/main">
   <p:cSld name="Slide 3">
     <p:bg>
@@ -22255,14 +22771,14 @@
     <mc:Choice Requires="p14">
       <p:transition/>
     </mc:Choice>
-    <mc:Fallback xmlns="" xmlns:c="http://schemas.openxmlformats.org/drawingml/2006/chart" xmlns:dgm="http://schemas.openxmlformats.org/drawingml/2006/diagram" xmlns:dsp="http://schemas.microsoft.com/office/drawing/2008/diagram">
+    <mc:Fallback xmlns:dsp="http://schemas.microsoft.com/office/drawing/2008/diagram" xmlns:dgm="http://schemas.openxmlformats.org/drawingml/2006/diagram" xmlns:c="http://schemas.openxmlformats.org/drawingml/2006/chart" xmlns="">
       <p:transition/>
     </mc:Fallback>
   </mc:AlternateContent>
 </p:sld>
 </file>
 
-<file path=ppt/slides/slide21.xml><?xml version="1.0" encoding="utf-8"?>
+<file path=ppt/slides/slide22.xml><?xml version="1.0" encoding="utf-8"?>
 <p:sld xmlns:a="http://schemas.openxmlformats.org/drawingml/2006/main" xmlns:r="http://schemas.openxmlformats.org/officeDocument/2006/relationships" xmlns:p="http://schemas.openxmlformats.org/presentationml/2006/main">
   <p:cSld name="Slide 4">
     <p:bg>
@@ -24520,7 +25036,7 @@
     <mc:Choice Requires="p14">
       <p:transition/>
     </mc:Choice>
-    <mc:Fallback xmlns="" xmlns:c="http://schemas.openxmlformats.org/drawingml/2006/chart" xmlns:dgm="http://schemas.openxmlformats.org/drawingml/2006/diagram" xmlns:dsp="http://schemas.microsoft.com/office/drawing/2008/diagram">
+    <mc:Fallback xmlns:dsp="http://schemas.microsoft.com/office/drawing/2008/diagram" xmlns:dgm="http://schemas.openxmlformats.org/drawingml/2006/diagram" xmlns:c="http://schemas.openxmlformats.org/drawingml/2006/chart" xmlns="">
       <p:transition/>
     </mc:Fallback>
   </mc:AlternateContent>
@@ -25175,7 +25691,7 @@
     <mc:Choice Requires="p14">
       <p:transition/>
     </mc:Choice>
-    <mc:Fallback xmlns="" xmlns:c="http://schemas.openxmlformats.org/drawingml/2006/chart" xmlns:dgm="http://schemas.openxmlformats.org/drawingml/2006/diagram" xmlns:dsp="http://schemas.microsoft.com/office/drawing/2008/diagram">
+    <mc:Fallback xmlns:dsp="http://schemas.microsoft.com/office/drawing/2008/diagram" xmlns:dgm="http://schemas.openxmlformats.org/drawingml/2006/diagram" xmlns:c="http://schemas.openxmlformats.org/drawingml/2006/chart" xmlns="">
       <p:transition/>
     </mc:Fallback>
   </mc:AlternateContent>
@@ -28717,7 +29233,7 @@
     <mc:Choice Requires="p14">
       <p:transition/>
     </mc:Choice>
-    <mc:Fallback xmlns="" xmlns:c="http://schemas.openxmlformats.org/drawingml/2006/chart" xmlns:dgm="http://schemas.openxmlformats.org/drawingml/2006/diagram" xmlns:dsp="http://schemas.microsoft.com/office/drawing/2008/diagram">
+    <mc:Fallback xmlns:dsp="http://schemas.microsoft.com/office/drawing/2008/diagram" xmlns:dgm="http://schemas.openxmlformats.org/drawingml/2006/diagram" xmlns:c="http://schemas.openxmlformats.org/drawingml/2006/chart" xmlns="">
       <p:transition/>
     </mc:Fallback>
   </mc:AlternateContent>
@@ -28979,7 +29495,7 @@
     <mc:Choice Requires="p14">
       <p:transition/>
     </mc:Choice>
-    <mc:Fallback xmlns="" xmlns:c="http://schemas.openxmlformats.org/drawingml/2006/chart" xmlns:dgm="http://schemas.openxmlformats.org/drawingml/2006/diagram" xmlns:dsp="http://schemas.microsoft.com/office/drawing/2008/diagram">
+    <mc:Fallback xmlns:dsp="http://schemas.microsoft.com/office/drawing/2008/diagram" xmlns:dgm="http://schemas.openxmlformats.org/drawingml/2006/diagram" xmlns:c="http://schemas.openxmlformats.org/drawingml/2006/chart" xmlns="">
       <p:transition/>
     </mc:Fallback>
   </mc:AlternateContent>
@@ -29307,7 +29823,7 @@
     <mc:Choice Requires="p14">
       <p:transition/>
     </mc:Choice>
-    <mc:Fallback xmlns="" xmlns:c="http://schemas.openxmlformats.org/drawingml/2006/chart" xmlns:dgm="http://schemas.openxmlformats.org/drawingml/2006/diagram" xmlns:dsp="http://schemas.microsoft.com/office/drawing/2008/diagram">
+    <mc:Fallback xmlns:dsp="http://schemas.microsoft.com/office/drawing/2008/diagram" xmlns:dgm="http://schemas.openxmlformats.org/drawingml/2006/diagram" xmlns:c="http://schemas.openxmlformats.org/drawingml/2006/chart" xmlns="">
       <p:transition/>
     </mc:Fallback>
   </mc:AlternateContent>

--- a/정처산기 1조 화면설계/정처산기 1조 스토리보드.pptx
+++ b/정처산기 1조 화면설계/정처산기 1조 스토리보드.pptx
@@ -4176,7 +4176,7 @@
     <mc:Choice Requires="p14">
       <p:transition/>
     </mc:Choice>
-    <mc:Fallback xmlns:dsp="http://schemas.microsoft.com/office/drawing/2008/diagram" xmlns:dgm="http://schemas.openxmlformats.org/drawingml/2006/diagram" xmlns:c="http://schemas.openxmlformats.org/drawingml/2006/chart" xmlns="">
+    <mc:Fallback xmlns="" xmlns:c="http://schemas.openxmlformats.org/drawingml/2006/chart" xmlns:dgm="http://schemas.openxmlformats.org/drawingml/2006/diagram" xmlns:dsp="http://schemas.microsoft.com/office/drawing/2008/diagram">
       <p:transition/>
     </mc:Fallback>
   </mc:AlternateContent>
@@ -4367,7 +4367,7 @@
     <mc:Choice Requires="p14">
       <p:transition/>
     </mc:Choice>
-    <mc:Fallback xmlns:dsp="http://schemas.microsoft.com/office/drawing/2008/diagram" xmlns:dgm="http://schemas.openxmlformats.org/drawingml/2006/diagram" xmlns:c="http://schemas.openxmlformats.org/drawingml/2006/chart" xmlns="">
+    <mc:Fallback xmlns="" xmlns:c="http://schemas.openxmlformats.org/drawingml/2006/chart" xmlns:dgm="http://schemas.openxmlformats.org/drawingml/2006/diagram" xmlns:dsp="http://schemas.microsoft.com/office/drawing/2008/diagram">
       <p:transition/>
     </mc:Fallback>
   </mc:AlternateContent>
@@ -4584,7 +4584,7 @@
     <mc:Choice Requires="p14">
       <p:transition/>
     </mc:Choice>
-    <mc:Fallback xmlns:dsp="http://schemas.microsoft.com/office/drawing/2008/diagram" xmlns:dgm="http://schemas.openxmlformats.org/drawingml/2006/diagram" xmlns:c="http://schemas.openxmlformats.org/drawingml/2006/chart" xmlns="">
+    <mc:Fallback xmlns="" xmlns:c="http://schemas.openxmlformats.org/drawingml/2006/chart" xmlns:dgm="http://schemas.openxmlformats.org/drawingml/2006/diagram" xmlns:dsp="http://schemas.microsoft.com/office/drawing/2008/diagram">
       <p:transition/>
     </mc:Fallback>
   </mc:AlternateContent>
@@ -4779,7 +4779,7 @@
     <mc:Choice Requires="p14">
       <p:transition/>
     </mc:Choice>
-    <mc:Fallback xmlns:dsp="http://schemas.microsoft.com/office/drawing/2008/diagram" xmlns:dgm="http://schemas.openxmlformats.org/drawingml/2006/diagram" xmlns:c="http://schemas.openxmlformats.org/drawingml/2006/chart" xmlns="">
+    <mc:Fallback xmlns="" xmlns:c="http://schemas.openxmlformats.org/drawingml/2006/chart" xmlns:dgm="http://schemas.openxmlformats.org/drawingml/2006/diagram" xmlns:dsp="http://schemas.microsoft.com/office/drawing/2008/diagram">
       <p:transition/>
     </mc:Fallback>
   </mc:AlternateContent>
@@ -5068,7 +5068,7 @@
     <mc:Choice Requires="p14">
       <p:transition/>
     </mc:Choice>
-    <mc:Fallback xmlns:dsp="http://schemas.microsoft.com/office/drawing/2008/diagram" xmlns:dgm="http://schemas.openxmlformats.org/drawingml/2006/diagram" xmlns:c="http://schemas.openxmlformats.org/drawingml/2006/chart" xmlns="">
+    <mc:Fallback xmlns="" xmlns:c="http://schemas.openxmlformats.org/drawingml/2006/chart" xmlns:dgm="http://schemas.openxmlformats.org/drawingml/2006/diagram" xmlns:dsp="http://schemas.microsoft.com/office/drawing/2008/diagram">
       <p:transition/>
     </mc:Fallback>
   </mc:AlternateContent>
@@ -5398,7 +5398,7 @@
     <mc:Choice Requires="p14">
       <p:transition/>
     </mc:Choice>
-    <mc:Fallback xmlns:dsp="http://schemas.microsoft.com/office/drawing/2008/diagram" xmlns:dgm="http://schemas.openxmlformats.org/drawingml/2006/diagram" xmlns:c="http://schemas.openxmlformats.org/drawingml/2006/chart" xmlns="">
+    <mc:Fallback xmlns="" xmlns:c="http://schemas.openxmlformats.org/drawingml/2006/chart" xmlns:dgm="http://schemas.openxmlformats.org/drawingml/2006/diagram" xmlns:dsp="http://schemas.microsoft.com/office/drawing/2008/diagram">
       <p:transition/>
     </mc:Fallback>
   </mc:AlternateContent>
@@ -5692,7 +5692,7 @@
     <mc:Choice Requires="p14">
       <p:transition/>
     </mc:Choice>
-    <mc:Fallback xmlns:dsp="http://schemas.microsoft.com/office/drawing/2008/diagram" xmlns:dgm="http://schemas.openxmlformats.org/drawingml/2006/diagram" xmlns:c="http://schemas.openxmlformats.org/drawingml/2006/chart" xmlns="">
+    <mc:Fallback xmlns="" xmlns:c="http://schemas.openxmlformats.org/drawingml/2006/chart" xmlns:dgm="http://schemas.openxmlformats.org/drawingml/2006/diagram" xmlns:dsp="http://schemas.microsoft.com/office/drawing/2008/diagram">
       <p:transition/>
     </mc:Fallback>
   </mc:AlternateContent>
@@ -13266,7 +13266,7 @@
     <mc:Choice Requires="p14">
       <p:transition/>
     </mc:Choice>
-    <mc:Fallback xmlns:dsp="http://schemas.microsoft.com/office/drawing/2008/diagram" xmlns:dgm="http://schemas.openxmlformats.org/drawingml/2006/diagram" xmlns:c="http://schemas.openxmlformats.org/drawingml/2006/chart" xmlns="">
+    <mc:Fallback xmlns="" xmlns:c="http://schemas.openxmlformats.org/drawingml/2006/chart" xmlns:dgm="http://schemas.openxmlformats.org/drawingml/2006/diagram" xmlns:dsp="http://schemas.microsoft.com/office/drawing/2008/diagram">
       <p:transition/>
     </mc:Fallback>
   </mc:AlternateContent>
@@ -14690,7 +14690,7 @@
     <mc:Choice Requires="p14">
       <p:transition/>
     </mc:Choice>
-    <mc:Fallback xmlns:dsp="http://schemas.microsoft.com/office/drawing/2008/diagram" xmlns:dgm="http://schemas.openxmlformats.org/drawingml/2006/diagram" xmlns:c="http://schemas.openxmlformats.org/drawingml/2006/chart" xmlns="">
+    <mc:Fallback xmlns="" xmlns:c="http://schemas.openxmlformats.org/drawingml/2006/chart" xmlns:dgm="http://schemas.openxmlformats.org/drawingml/2006/diagram" xmlns:dsp="http://schemas.microsoft.com/office/drawing/2008/diagram">
       <p:transition/>
     </mc:Fallback>
   </mc:AlternateContent>
@@ -17527,7 +17527,7 @@
     <mc:Choice Requires="p14">
       <p:transition/>
     </mc:Choice>
-    <mc:Fallback xmlns:dsp="http://schemas.microsoft.com/office/drawing/2008/diagram" xmlns:dgm="http://schemas.openxmlformats.org/drawingml/2006/diagram" xmlns:c="http://schemas.openxmlformats.org/drawingml/2006/chart" xmlns="">
+    <mc:Fallback xmlns="" xmlns:c="http://schemas.openxmlformats.org/drawingml/2006/chart" xmlns:dgm="http://schemas.openxmlformats.org/drawingml/2006/diagram" xmlns:dsp="http://schemas.microsoft.com/office/drawing/2008/diagram">
       <p:transition/>
     </mc:Fallback>
   </mc:AlternateContent>
@@ -18012,7 +18012,7 @@
     <mc:Choice Requires="p14">
       <p:transition/>
     </mc:Choice>
-    <mc:Fallback xmlns:dsp="http://schemas.microsoft.com/office/drawing/2008/diagram" xmlns:dgm="http://schemas.openxmlformats.org/drawingml/2006/diagram" xmlns:c="http://schemas.openxmlformats.org/drawingml/2006/chart" xmlns="">
+    <mc:Fallback xmlns="" xmlns:c="http://schemas.openxmlformats.org/drawingml/2006/chart" xmlns:dgm="http://schemas.openxmlformats.org/drawingml/2006/diagram" xmlns:dsp="http://schemas.microsoft.com/office/drawing/2008/diagram">
       <p:transition/>
     </mc:Fallback>
   </mc:AlternateContent>
@@ -20276,7 +20276,7 @@
     <mc:Choice Requires="p14">
       <p:transition/>
     </mc:Choice>
-    <mc:Fallback xmlns:dsp="http://schemas.microsoft.com/office/drawing/2008/diagram" xmlns:dgm="http://schemas.openxmlformats.org/drawingml/2006/diagram" xmlns:c="http://schemas.openxmlformats.org/drawingml/2006/chart" xmlns="">
+    <mc:Fallback xmlns="" xmlns:c="http://schemas.openxmlformats.org/drawingml/2006/chart" xmlns:dgm="http://schemas.openxmlformats.org/drawingml/2006/diagram" xmlns:dsp="http://schemas.microsoft.com/office/drawing/2008/diagram">
       <p:transition/>
     </mc:Fallback>
   </mc:AlternateContent>
@@ -22771,7 +22771,7 @@
     <mc:Choice Requires="p14">
       <p:transition/>
     </mc:Choice>
-    <mc:Fallback xmlns:dsp="http://schemas.microsoft.com/office/drawing/2008/diagram" xmlns:dgm="http://schemas.openxmlformats.org/drawingml/2006/diagram" xmlns:c="http://schemas.openxmlformats.org/drawingml/2006/chart" xmlns="">
+    <mc:Fallback xmlns="" xmlns:c="http://schemas.openxmlformats.org/drawingml/2006/chart" xmlns:dgm="http://schemas.openxmlformats.org/drawingml/2006/diagram" xmlns:dsp="http://schemas.microsoft.com/office/drawing/2008/diagram">
       <p:transition/>
     </mc:Fallback>
   </mc:AlternateContent>
@@ -25036,7 +25036,7 @@
     <mc:Choice Requires="p14">
       <p:transition/>
     </mc:Choice>
-    <mc:Fallback xmlns:dsp="http://schemas.microsoft.com/office/drawing/2008/diagram" xmlns:dgm="http://schemas.openxmlformats.org/drawingml/2006/diagram" xmlns:c="http://schemas.openxmlformats.org/drawingml/2006/chart" xmlns="">
+    <mc:Fallback xmlns="" xmlns:c="http://schemas.openxmlformats.org/drawingml/2006/chart" xmlns:dgm="http://schemas.openxmlformats.org/drawingml/2006/diagram" xmlns:dsp="http://schemas.microsoft.com/office/drawing/2008/diagram">
       <p:transition/>
     </mc:Fallback>
   </mc:AlternateContent>
@@ -25202,8 +25202,8 @@
         </p:nvSpPr>
         <p:spPr>
           <a:xfrm>
-            <a:off x="2426697" y="3009900"/>
-            <a:ext cx="13923683" cy="1661993"/>
+            <a:off x="2426697" y="3146110"/>
+            <a:ext cx="11993668" cy="1297240"/>
           </a:xfrm>
           <a:prstGeom prst="rect">
             <a:avLst/>
@@ -25223,7 +25223,7 @@
               <a:defRPr/>
             </a:pPr>
             <a:r>
-              <a:rPr lang="ko-KR" altLang="en-US" sz="2800" spc="-45">
+              <a:rPr lang="ko-KR" altLang="en-US" sz="2400" spc="-45" dirty="0">
                 <a:solidFill>
                   <a:srgbClr val="000000"/>
                 </a:solidFill>
@@ -25242,7 +25242,7 @@
               <a:defRPr/>
             </a:pPr>
             <a:r>
-              <a:rPr lang="ko-KR" altLang="en-US" sz="2800" spc="-45">
+              <a:rPr lang="ko-KR" altLang="en-US" sz="2400" spc="-45" dirty="0">
                 <a:solidFill>
                   <a:srgbClr val="000000"/>
                 </a:solidFill>
@@ -25253,7 +25253,7 @@
               <a:t>보다 원활한 공연 준비를 할 수 있도록  한다</a:t>
             </a:r>
             <a:r>
-              <a:rPr lang="en-US" altLang="ko-KR" sz="2800" spc="-45">
+              <a:rPr lang="en-US" altLang="ko-KR" sz="2400" spc="-45" dirty="0">
                 <a:solidFill>
                   <a:srgbClr val="000000"/>
                 </a:solidFill>
@@ -25268,7 +25268,7 @@
             <a:pPr lvl="0">
               <a:defRPr/>
             </a:pPr>
-            <a:endParaRPr lang="ko-KR" altLang="en-US"/>
+            <a:endParaRPr lang="ko-KR" altLang="en-US" sz="2400" dirty="0"/>
           </a:p>
         </p:txBody>
       </p:sp>
@@ -25378,8 +25378,8 @@
         </p:nvSpPr>
         <p:spPr>
           <a:xfrm>
-            <a:off x="2133600" y="2988340"/>
-            <a:ext cx="14125158" cy="1488869"/>
+            <a:off x="2133599" y="2988340"/>
+            <a:ext cx="14618697" cy="1488869"/>
           </a:xfrm>
           <a:prstGeom prst="rect">
             <a:avLst/>
@@ -25426,8 +25426,8 @@
         </p:nvSpPr>
         <p:spPr>
           <a:xfrm>
-            <a:off x="2426698" y="5905500"/>
-            <a:ext cx="13808588" cy="3754874"/>
+            <a:off x="2426698" y="6352044"/>
+            <a:ext cx="12532598" cy="2677656"/>
           </a:xfrm>
           <a:prstGeom prst="rect">
             <a:avLst/>
@@ -25449,30 +25449,35 @@
               <a:defRPr/>
             </a:pPr>
             <a:r>
-              <a:rPr lang="ko-KR" altLang="en-US" sz="2800"/>
+              <a:rPr lang="ko-KR" altLang="en-US" sz="2400" dirty="0"/>
               <a:t>공연 예술 분야의 창작자</a:t>
             </a:r>
             <a:r>
-              <a:rPr lang="en-US" altLang="ko-KR" sz="2800"/>
+              <a:rPr lang="en-US" altLang="ko-KR" sz="2400" dirty="0"/>
               <a:t>(</a:t>
             </a:r>
             <a:r>
-              <a:rPr lang="ko-KR" altLang="en-US" sz="2800"/>
+              <a:rPr lang="ko-KR" altLang="en-US" sz="2400" dirty="0"/>
               <a:t>전문가</a:t>
             </a:r>
             <a:r>
-              <a:rPr lang="en-US" altLang="ko-KR" sz="2800"/>
+              <a:rPr lang="en-US" altLang="ko-KR" sz="2400" dirty="0"/>
               <a:t>)</a:t>
             </a:r>
             <a:r>
-              <a:rPr lang="ko-KR" altLang="en-US" sz="2800"/>
-              <a:t>들이 안정적으로 프로젝트를 운영할 수 있도록 펀딩</a:t>
-            </a:r>
-            <a:br>
-              <a:rPr lang="en-US" altLang="ko-KR" sz="2800"/>
-            </a:br>
-            <a:r>
-              <a:rPr lang="ko-KR" altLang="en-US" sz="2800"/>
+              <a:rPr lang="ko-KR" altLang="en-US" sz="2400" dirty="0"/>
+              <a:t>들이 안정적으로 프로젝트를 운영할 수 있도록 </a:t>
+            </a:r>
+            <a:r>
+              <a:rPr lang="ko-KR" altLang="en-US" sz="2400" dirty="0" err="1"/>
+              <a:t>펀딩</a:t>
+            </a:r>
+            <a:r>
+              <a:rPr lang="en-US" altLang="ko-KR" sz="2400" dirty="0"/>
+              <a:t> </a:t>
+            </a:r>
+            <a:r>
+              <a:rPr lang="ko-KR" altLang="en-US" sz="2400" dirty="0"/>
               <a:t>지원</a:t>
             </a:r>
           </a:p>
@@ -25486,15 +25491,15 @@
               <a:defRPr/>
             </a:pPr>
             <a:r>
-              <a:rPr lang="ko-KR" altLang="en-US" sz="2800"/>
+              <a:rPr lang="ko-KR" altLang="en-US" sz="2400" dirty="0"/>
               <a:t>공연 기획부터 제작</a:t>
             </a:r>
             <a:r>
-              <a:rPr lang="en-US" altLang="ko-KR" sz="2800"/>
+              <a:rPr lang="en-US" altLang="ko-KR" sz="2400" dirty="0"/>
               <a:t>, </a:t>
             </a:r>
             <a:r>
-              <a:rPr lang="ko-KR" altLang="en-US" sz="2800"/>
+              <a:rPr lang="ko-KR" altLang="en-US" sz="2400" dirty="0"/>
               <a:t>마케팅까지 전문가들이 협업할 수 있는 공간 제공</a:t>
             </a:r>
           </a:p>
@@ -25508,7 +25513,7 @@
               <a:defRPr/>
             </a:pPr>
             <a:r>
-              <a:rPr lang="ko-KR" altLang="en-US" sz="2800"/>
+              <a:rPr lang="ko-KR" altLang="en-US" sz="2400" dirty="0"/>
               <a:t>공연을 사랑하는 사람들이 후원자로 참여하여 직접 프로젝트를 지원할 수 있도록 함</a:t>
             </a:r>
           </a:p>
@@ -25522,7 +25527,7 @@
               <a:defRPr/>
             </a:pPr>
             <a:r>
-              <a:rPr lang="ko-KR" altLang="en-US" sz="2800"/>
+              <a:rPr lang="ko-KR" altLang="en-US" sz="2400" dirty="0"/>
               <a:t>공연 제작과 예술 창작의 과정을 더 투명하고 개방적인 구조로 변화</a:t>
             </a:r>
           </a:p>
@@ -25532,7 +25537,7 @@
               <a:buChar char="-"/>
               <a:defRPr/>
             </a:pPr>
-            <a:endParaRPr lang="ko-KR" altLang="en-US" sz="2800"/>
+            <a:endParaRPr lang="ko-KR" altLang="en-US" sz="2400" dirty="0"/>
           </a:p>
         </p:txBody>
       </p:sp>
@@ -25691,7 +25696,7 @@
     <mc:Choice Requires="p14">
       <p:transition/>
     </mc:Choice>
-    <mc:Fallback xmlns:dsp="http://schemas.microsoft.com/office/drawing/2008/diagram" xmlns:dgm="http://schemas.openxmlformats.org/drawingml/2006/diagram" xmlns:c="http://schemas.openxmlformats.org/drawingml/2006/chart" xmlns="">
+    <mc:Fallback xmlns="" xmlns:c="http://schemas.openxmlformats.org/drawingml/2006/chart" xmlns:dgm="http://schemas.openxmlformats.org/drawingml/2006/diagram" xmlns:dsp="http://schemas.microsoft.com/office/drawing/2008/diagram">
       <p:transition/>
     </mc:Fallback>
   </mc:AlternateContent>
@@ -29233,7 +29238,7 @@
     <mc:Choice Requires="p14">
       <p:transition/>
     </mc:Choice>
-    <mc:Fallback xmlns:dsp="http://schemas.microsoft.com/office/drawing/2008/diagram" xmlns:dgm="http://schemas.openxmlformats.org/drawingml/2006/diagram" xmlns:c="http://schemas.openxmlformats.org/drawingml/2006/chart" xmlns="">
+    <mc:Fallback xmlns="" xmlns:c="http://schemas.openxmlformats.org/drawingml/2006/chart" xmlns:dgm="http://schemas.openxmlformats.org/drawingml/2006/diagram" xmlns:dsp="http://schemas.microsoft.com/office/drawing/2008/diagram">
       <p:transition/>
     </mc:Fallback>
   </mc:AlternateContent>
@@ -29495,7 +29500,7 @@
     <mc:Choice Requires="p14">
       <p:transition/>
     </mc:Choice>
-    <mc:Fallback xmlns:dsp="http://schemas.microsoft.com/office/drawing/2008/diagram" xmlns:dgm="http://schemas.openxmlformats.org/drawingml/2006/diagram" xmlns:c="http://schemas.openxmlformats.org/drawingml/2006/chart" xmlns="">
+    <mc:Fallback xmlns="" xmlns:c="http://schemas.openxmlformats.org/drawingml/2006/chart" xmlns:dgm="http://schemas.openxmlformats.org/drawingml/2006/diagram" xmlns:dsp="http://schemas.microsoft.com/office/drawing/2008/diagram">
       <p:transition/>
     </mc:Fallback>
   </mc:AlternateContent>
@@ -29823,7 +29828,7 @@
     <mc:Choice Requires="p14">
       <p:transition/>
     </mc:Choice>
-    <mc:Fallback xmlns:dsp="http://schemas.microsoft.com/office/drawing/2008/diagram" xmlns:dgm="http://schemas.openxmlformats.org/drawingml/2006/diagram" xmlns:c="http://schemas.openxmlformats.org/drawingml/2006/chart" xmlns="">
+    <mc:Fallback xmlns="" xmlns:c="http://schemas.openxmlformats.org/drawingml/2006/chart" xmlns:dgm="http://schemas.openxmlformats.org/drawingml/2006/diagram" xmlns:dsp="http://schemas.microsoft.com/office/drawing/2008/diagram">
       <p:transition/>
     </mc:Fallback>
   </mc:AlternateContent>
